--- a/Time Series Analysis.pptx
+++ b/Time Series Analysis.pptx
@@ -2484,7 +2484,7 @@
               <a:pPr>
                 <a:defRPr/>
               </a:pPr>
-              <a:t>16-May-20</a:t>
+              <a:t>3/23/2021</a:t>
             </a:fld>
             <a:endParaRPr lang="en-US"/>
           </a:p>
@@ -3031,7 +3031,7 @@
           <p:cNvPr id="8" name="Footer Placeholder 7">
             <a:extLst>
               <a:ext uri="{FF2B5EF4-FFF2-40B4-BE49-F238E27FC236}">
-                <a16:creationId xmlns:a16="http://schemas.microsoft.com/office/drawing/2014/main" xmlns="" id="{FC025B02-A863-954A-9D88-2497275C7387}"/>
+                <a16:creationId xmlns:a16="http://schemas.microsoft.com/office/drawing/2014/main" id="{FC025B02-A863-954A-9D88-2497275C7387}"/>
               </a:ext>
             </a:extLst>
           </p:cNvPr>
@@ -3059,7 +3059,7 @@
           <p:cNvPr id="9" name="Slide Number Placeholder 8">
             <a:extLst>
               <a:ext uri="{FF2B5EF4-FFF2-40B4-BE49-F238E27FC236}">
-                <a16:creationId xmlns:a16="http://schemas.microsoft.com/office/drawing/2014/main" xmlns="" id="{389FC811-34A4-1243-B8B3-FA72220F30AF}"/>
+                <a16:creationId xmlns:a16="http://schemas.microsoft.com/office/drawing/2014/main" id="{389FC811-34A4-1243-B8B3-FA72220F30AF}"/>
               </a:ext>
             </a:extLst>
           </p:cNvPr>
@@ -3170,7 +3170,7 @@
           <p:cNvPr id="8" name="Footer Placeholder 7">
             <a:extLst>
               <a:ext uri="{FF2B5EF4-FFF2-40B4-BE49-F238E27FC236}">
-                <a16:creationId xmlns:a16="http://schemas.microsoft.com/office/drawing/2014/main" xmlns="" id="{FC025B02-A863-954A-9D88-2497275C7387}"/>
+                <a16:creationId xmlns:a16="http://schemas.microsoft.com/office/drawing/2014/main" id="{FC025B02-A863-954A-9D88-2497275C7387}"/>
               </a:ext>
             </a:extLst>
           </p:cNvPr>
@@ -3198,7 +3198,7 @@
           <p:cNvPr id="9" name="Slide Number Placeholder 8">
             <a:extLst>
               <a:ext uri="{FF2B5EF4-FFF2-40B4-BE49-F238E27FC236}">
-                <a16:creationId xmlns:a16="http://schemas.microsoft.com/office/drawing/2014/main" xmlns="" id="{389FC811-34A4-1243-B8B3-FA72220F30AF}"/>
+                <a16:creationId xmlns:a16="http://schemas.microsoft.com/office/drawing/2014/main" id="{389FC811-34A4-1243-B8B3-FA72220F30AF}"/>
               </a:ext>
             </a:extLst>
           </p:cNvPr>
@@ -3309,7 +3309,7 @@
           <p:cNvPr id="8" name="Footer Placeholder 7">
             <a:extLst>
               <a:ext uri="{FF2B5EF4-FFF2-40B4-BE49-F238E27FC236}">
-                <a16:creationId xmlns:a16="http://schemas.microsoft.com/office/drawing/2014/main" xmlns="" id="{FC025B02-A863-954A-9D88-2497275C7387}"/>
+                <a16:creationId xmlns:a16="http://schemas.microsoft.com/office/drawing/2014/main" id="{FC025B02-A863-954A-9D88-2497275C7387}"/>
               </a:ext>
             </a:extLst>
           </p:cNvPr>
@@ -3337,7 +3337,7 @@
           <p:cNvPr id="9" name="Slide Number Placeholder 8">
             <a:extLst>
               <a:ext uri="{FF2B5EF4-FFF2-40B4-BE49-F238E27FC236}">
-                <a16:creationId xmlns:a16="http://schemas.microsoft.com/office/drawing/2014/main" xmlns="" id="{389FC811-34A4-1243-B8B3-FA72220F30AF}"/>
+                <a16:creationId xmlns:a16="http://schemas.microsoft.com/office/drawing/2014/main" id="{389FC811-34A4-1243-B8B3-FA72220F30AF}"/>
               </a:ext>
             </a:extLst>
           </p:cNvPr>
@@ -3461,7 +3461,7 @@
           <p:cNvPr id="8" name="Footer Placeholder 7">
             <a:extLst>
               <a:ext uri="{FF2B5EF4-FFF2-40B4-BE49-F238E27FC236}">
-                <a16:creationId xmlns:a16="http://schemas.microsoft.com/office/drawing/2014/main" xmlns="" id="{FC025B02-A863-954A-9D88-2497275C7387}"/>
+                <a16:creationId xmlns:a16="http://schemas.microsoft.com/office/drawing/2014/main" id="{FC025B02-A863-954A-9D88-2497275C7387}"/>
               </a:ext>
             </a:extLst>
           </p:cNvPr>
@@ -3489,7 +3489,7 @@
           <p:cNvPr id="9" name="Slide Number Placeholder 8">
             <a:extLst>
               <a:ext uri="{FF2B5EF4-FFF2-40B4-BE49-F238E27FC236}">
-                <a16:creationId xmlns:a16="http://schemas.microsoft.com/office/drawing/2014/main" xmlns="" id="{389FC811-34A4-1243-B8B3-FA72220F30AF}"/>
+                <a16:creationId xmlns:a16="http://schemas.microsoft.com/office/drawing/2014/main" id="{389FC811-34A4-1243-B8B3-FA72220F30AF}"/>
               </a:ext>
             </a:extLst>
           </p:cNvPr>
@@ -3613,7 +3613,7 @@
           <p:cNvPr id="8" name="Footer Placeholder 7">
             <a:extLst>
               <a:ext uri="{FF2B5EF4-FFF2-40B4-BE49-F238E27FC236}">
-                <a16:creationId xmlns:a16="http://schemas.microsoft.com/office/drawing/2014/main" xmlns="" id="{FC025B02-A863-954A-9D88-2497275C7387}"/>
+                <a16:creationId xmlns:a16="http://schemas.microsoft.com/office/drawing/2014/main" id="{FC025B02-A863-954A-9D88-2497275C7387}"/>
               </a:ext>
             </a:extLst>
           </p:cNvPr>
@@ -3641,7 +3641,7 @@
           <p:cNvPr id="9" name="Slide Number Placeholder 8">
             <a:extLst>
               <a:ext uri="{FF2B5EF4-FFF2-40B4-BE49-F238E27FC236}">
-                <a16:creationId xmlns:a16="http://schemas.microsoft.com/office/drawing/2014/main" xmlns="" id="{389FC811-34A4-1243-B8B3-FA72220F30AF}"/>
+                <a16:creationId xmlns:a16="http://schemas.microsoft.com/office/drawing/2014/main" id="{389FC811-34A4-1243-B8B3-FA72220F30AF}"/>
               </a:ext>
             </a:extLst>
           </p:cNvPr>
@@ -3765,7 +3765,7 @@
           <p:cNvPr id="8" name="Footer Placeholder 7">
             <a:extLst>
               <a:ext uri="{FF2B5EF4-FFF2-40B4-BE49-F238E27FC236}">
-                <a16:creationId xmlns:a16="http://schemas.microsoft.com/office/drawing/2014/main" xmlns="" id="{FC025B02-A863-954A-9D88-2497275C7387}"/>
+                <a16:creationId xmlns:a16="http://schemas.microsoft.com/office/drawing/2014/main" id="{FC025B02-A863-954A-9D88-2497275C7387}"/>
               </a:ext>
             </a:extLst>
           </p:cNvPr>
@@ -3793,7 +3793,7 @@
           <p:cNvPr id="9" name="Slide Number Placeholder 8">
             <a:extLst>
               <a:ext uri="{FF2B5EF4-FFF2-40B4-BE49-F238E27FC236}">
-                <a16:creationId xmlns:a16="http://schemas.microsoft.com/office/drawing/2014/main" xmlns="" id="{389FC811-34A4-1243-B8B3-FA72220F30AF}"/>
+                <a16:creationId xmlns:a16="http://schemas.microsoft.com/office/drawing/2014/main" id="{389FC811-34A4-1243-B8B3-FA72220F30AF}"/>
               </a:ext>
             </a:extLst>
           </p:cNvPr>
@@ -3917,7 +3917,7 @@
           <p:cNvPr id="8" name="Footer Placeholder 7">
             <a:extLst>
               <a:ext uri="{FF2B5EF4-FFF2-40B4-BE49-F238E27FC236}">
-                <a16:creationId xmlns:a16="http://schemas.microsoft.com/office/drawing/2014/main" xmlns="" id="{FC025B02-A863-954A-9D88-2497275C7387}"/>
+                <a16:creationId xmlns:a16="http://schemas.microsoft.com/office/drawing/2014/main" id="{FC025B02-A863-954A-9D88-2497275C7387}"/>
               </a:ext>
             </a:extLst>
           </p:cNvPr>
@@ -3945,7 +3945,7 @@
           <p:cNvPr id="9" name="Slide Number Placeholder 8">
             <a:extLst>
               <a:ext uri="{FF2B5EF4-FFF2-40B4-BE49-F238E27FC236}">
-                <a16:creationId xmlns:a16="http://schemas.microsoft.com/office/drawing/2014/main" xmlns="" id="{389FC811-34A4-1243-B8B3-FA72220F30AF}"/>
+                <a16:creationId xmlns:a16="http://schemas.microsoft.com/office/drawing/2014/main" id="{389FC811-34A4-1243-B8B3-FA72220F30AF}"/>
               </a:ext>
             </a:extLst>
           </p:cNvPr>
@@ -4056,7 +4056,7 @@
           <p:cNvPr id="8" name="Footer Placeholder 7">
             <a:extLst>
               <a:ext uri="{FF2B5EF4-FFF2-40B4-BE49-F238E27FC236}">
-                <a16:creationId xmlns:a16="http://schemas.microsoft.com/office/drawing/2014/main" xmlns="" id="{FC025B02-A863-954A-9D88-2497275C7387}"/>
+                <a16:creationId xmlns:a16="http://schemas.microsoft.com/office/drawing/2014/main" id="{FC025B02-A863-954A-9D88-2497275C7387}"/>
               </a:ext>
             </a:extLst>
           </p:cNvPr>
@@ -4084,7 +4084,7 @@
           <p:cNvPr id="9" name="Slide Number Placeholder 8">
             <a:extLst>
               <a:ext uri="{FF2B5EF4-FFF2-40B4-BE49-F238E27FC236}">
-                <a16:creationId xmlns:a16="http://schemas.microsoft.com/office/drawing/2014/main" xmlns="" id="{389FC811-34A4-1243-B8B3-FA72220F30AF}"/>
+                <a16:creationId xmlns:a16="http://schemas.microsoft.com/office/drawing/2014/main" id="{389FC811-34A4-1243-B8B3-FA72220F30AF}"/>
               </a:ext>
             </a:extLst>
           </p:cNvPr>
@@ -4192,7 +4192,7 @@
           <p:cNvPr id="8" name="Footer Placeholder 7">
             <a:extLst>
               <a:ext uri="{FF2B5EF4-FFF2-40B4-BE49-F238E27FC236}">
-                <a16:creationId xmlns:a16="http://schemas.microsoft.com/office/drawing/2014/main" xmlns="" id="{FC025B02-A863-954A-9D88-2497275C7387}"/>
+                <a16:creationId xmlns:a16="http://schemas.microsoft.com/office/drawing/2014/main" id="{FC025B02-A863-954A-9D88-2497275C7387}"/>
               </a:ext>
             </a:extLst>
           </p:cNvPr>
@@ -4220,7 +4220,7 @@
           <p:cNvPr id="9" name="Slide Number Placeholder 8">
             <a:extLst>
               <a:ext uri="{FF2B5EF4-FFF2-40B4-BE49-F238E27FC236}">
-                <a16:creationId xmlns:a16="http://schemas.microsoft.com/office/drawing/2014/main" xmlns="" id="{389FC811-34A4-1243-B8B3-FA72220F30AF}"/>
+                <a16:creationId xmlns:a16="http://schemas.microsoft.com/office/drawing/2014/main" id="{389FC811-34A4-1243-B8B3-FA72220F30AF}"/>
               </a:ext>
             </a:extLst>
           </p:cNvPr>
@@ -4785,7 +4785,7 @@
           <p:cNvPr id="8" name="Footer Placeholder 7">
             <a:extLst>
               <a:ext uri="{FF2B5EF4-FFF2-40B4-BE49-F238E27FC236}">
-                <a16:creationId xmlns:a16="http://schemas.microsoft.com/office/drawing/2014/main" xmlns="" id="{FC025B02-A863-954A-9D88-2497275C7387}"/>
+                <a16:creationId xmlns:a16="http://schemas.microsoft.com/office/drawing/2014/main" id="{FC025B02-A863-954A-9D88-2497275C7387}"/>
               </a:ext>
             </a:extLst>
           </p:cNvPr>
@@ -4813,7 +4813,7 @@
           <p:cNvPr id="9" name="Slide Number Placeholder 8">
             <a:extLst>
               <a:ext uri="{FF2B5EF4-FFF2-40B4-BE49-F238E27FC236}">
-                <a16:creationId xmlns:a16="http://schemas.microsoft.com/office/drawing/2014/main" xmlns="" id="{389FC811-34A4-1243-B8B3-FA72220F30AF}"/>
+                <a16:creationId xmlns:a16="http://schemas.microsoft.com/office/drawing/2014/main" id="{389FC811-34A4-1243-B8B3-FA72220F30AF}"/>
               </a:ext>
             </a:extLst>
           </p:cNvPr>
@@ -4921,7 +4921,7 @@
           <p:cNvPr id="8" name="Footer Placeholder 7">
             <a:extLst>
               <a:ext uri="{FF2B5EF4-FFF2-40B4-BE49-F238E27FC236}">
-                <a16:creationId xmlns:a16="http://schemas.microsoft.com/office/drawing/2014/main" xmlns="" id="{FC025B02-A863-954A-9D88-2497275C7387}"/>
+                <a16:creationId xmlns:a16="http://schemas.microsoft.com/office/drawing/2014/main" id="{FC025B02-A863-954A-9D88-2497275C7387}"/>
               </a:ext>
             </a:extLst>
           </p:cNvPr>
@@ -4949,7 +4949,7 @@
           <p:cNvPr id="9" name="Slide Number Placeholder 8">
             <a:extLst>
               <a:ext uri="{FF2B5EF4-FFF2-40B4-BE49-F238E27FC236}">
-                <a16:creationId xmlns:a16="http://schemas.microsoft.com/office/drawing/2014/main" xmlns="" id="{389FC811-34A4-1243-B8B3-FA72220F30AF}"/>
+                <a16:creationId xmlns:a16="http://schemas.microsoft.com/office/drawing/2014/main" id="{389FC811-34A4-1243-B8B3-FA72220F30AF}"/>
               </a:ext>
             </a:extLst>
           </p:cNvPr>
@@ -5514,7 +5514,7 @@
           <p:cNvPr id="8" name="Footer Placeholder 7">
             <a:extLst>
               <a:ext uri="{FF2B5EF4-FFF2-40B4-BE49-F238E27FC236}">
-                <a16:creationId xmlns:a16="http://schemas.microsoft.com/office/drawing/2014/main" xmlns="" id="{FC025B02-A863-954A-9D88-2497275C7387}"/>
+                <a16:creationId xmlns:a16="http://schemas.microsoft.com/office/drawing/2014/main" id="{FC025B02-A863-954A-9D88-2497275C7387}"/>
               </a:ext>
             </a:extLst>
           </p:cNvPr>
@@ -5542,7 +5542,7 @@
           <p:cNvPr id="9" name="Slide Number Placeholder 8">
             <a:extLst>
               <a:ext uri="{FF2B5EF4-FFF2-40B4-BE49-F238E27FC236}">
-                <a16:creationId xmlns:a16="http://schemas.microsoft.com/office/drawing/2014/main" xmlns="" id="{389FC811-34A4-1243-B8B3-FA72220F30AF}"/>
+                <a16:creationId xmlns:a16="http://schemas.microsoft.com/office/drawing/2014/main" id="{389FC811-34A4-1243-B8B3-FA72220F30AF}"/>
               </a:ext>
             </a:extLst>
           </p:cNvPr>
@@ -6107,7 +6107,7 @@
           <p:cNvPr id="8" name="Footer Placeholder 7">
             <a:extLst>
               <a:ext uri="{FF2B5EF4-FFF2-40B4-BE49-F238E27FC236}">
-                <a16:creationId xmlns:a16="http://schemas.microsoft.com/office/drawing/2014/main" xmlns="" id="{FC025B02-A863-954A-9D88-2497275C7387}"/>
+                <a16:creationId xmlns:a16="http://schemas.microsoft.com/office/drawing/2014/main" id="{FC025B02-A863-954A-9D88-2497275C7387}"/>
               </a:ext>
             </a:extLst>
           </p:cNvPr>
@@ -6135,7 +6135,7 @@
           <p:cNvPr id="9" name="Slide Number Placeholder 8">
             <a:extLst>
               <a:ext uri="{FF2B5EF4-FFF2-40B4-BE49-F238E27FC236}">
-                <a16:creationId xmlns:a16="http://schemas.microsoft.com/office/drawing/2014/main" xmlns="" id="{389FC811-34A4-1243-B8B3-FA72220F30AF}"/>
+                <a16:creationId xmlns:a16="http://schemas.microsoft.com/office/drawing/2014/main" id="{389FC811-34A4-1243-B8B3-FA72220F30AF}"/>
               </a:ext>
             </a:extLst>
           </p:cNvPr>
@@ -6700,7 +6700,7 @@
           <p:cNvPr id="8" name="Footer Placeholder 7">
             <a:extLst>
               <a:ext uri="{FF2B5EF4-FFF2-40B4-BE49-F238E27FC236}">
-                <a16:creationId xmlns:a16="http://schemas.microsoft.com/office/drawing/2014/main" xmlns="" id="{FC025B02-A863-954A-9D88-2497275C7387}"/>
+                <a16:creationId xmlns:a16="http://schemas.microsoft.com/office/drawing/2014/main" id="{FC025B02-A863-954A-9D88-2497275C7387}"/>
               </a:ext>
             </a:extLst>
           </p:cNvPr>
@@ -6728,7 +6728,7 @@
           <p:cNvPr id="9" name="Slide Number Placeholder 8">
             <a:extLst>
               <a:ext uri="{FF2B5EF4-FFF2-40B4-BE49-F238E27FC236}">
-                <a16:creationId xmlns:a16="http://schemas.microsoft.com/office/drawing/2014/main" xmlns="" id="{389FC811-34A4-1243-B8B3-FA72220F30AF}"/>
+                <a16:creationId xmlns:a16="http://schemas.microsoft.com/office/drawing/2014/main" id="{389FC811-34A4-1243-B8B3-FA72220F30AF}"/>
               </a:ext>
             </a:extLst>
           </p:cNvPr>
@@ -7293,7 +7293,7 @@
           <p:cNvPr id="8" name="Footer Placeholder 7">
             <a:extLst>
               <a:ext uri="{FF2B5EF4-FFF2-40B4-BE49-F238E27FC236}">
-                <a16:creationId xmlns:a16="http://schemas.microsoft.com/office/drawing/2014/main" xmlns="" id="{FC025B02-A863-954A-9D88-2497275C7387}"/>
+                <a16:creationId xmlns:a16="http://schemas.microsoft.com/office/drawing/2014/main" id="{FC025B02-A863-954A-9D88-2497275C7387}"/>
               </a:ext>
             </a:extLst>
           </p:cNvPr>
@@ -7321,7 +7321,7 @@
           <p:cNvPr id="9" name="Slide Number Placeholder 8">
             <a:extLst>
               <a:ext uri="{FF2B5EF4-FFF2-40B4-BE49-F238E27FC236}">
-                <a16:creationId xmlns:a16="http://schemas.microsoft.com/office/drawing/2014/main" xmlns="" id="{389FC811-34A4-1243-B8B3-FA72220F30AF}"/>
+                <a16:creationId xmlns:a16="http://schemas.microsoft.com/office/drawing/2014/main" id="{389FC811-34A4-1243-B8B3-FA72220F30AF}"/>
               </a:ext>
             </a:extLst>
           </p:cNvPr>
@@ -7886,7 +7886,7 @@
           <p:cNvPr id="8" name="Footer Placeholder 7">
             <a:extLst>
               <a:ext uri="{FF2B5EF4-FFF2-40B4-BE49-F238E27FC236}">
-                <a16:creationId xmlns:a16="http://schemas.microsoft.com/office/drawing/2014/main" xmlns="" id="{FC025B02-A863-954A-9D88-2497275C7387}"/>
+                <a16:creationId xmlns:a16="http://schemas.microsoft.com/office/drawing/2014/main" id="{FC025B02-A863-954A-9D88-2497275C7387}"/>
               </a:ext>
             </a:extLst>
           </p:cNvPr>
@@ -7914,7 +7914,7 @@
           <p:cNvPr id="9" name="Slide Number Placeholder 8">
             <a:extLst>
               <a:ext uri="{FF2B5EF4-FFF2-40B4-BE49-F238E27FC236}">
-                <a16:creationId xmlns:a16="http://schemas.microsoft.com/office/drawing/2014/main" xmlns="" id="{389FC811-34A4-1243-B8B3-FA72220F30AF}"/>
+                <a16:creationId xmlns:a16="http://schemas.microsoft.com/office/drawing/2014/main" id="{389FC811-34A4-1243-B8B3-FA72220F30AF}"/>
               </a:ext>
             </a:extLst>
           </p:cNvPr>
@@ -8479,7 +8479,7 @@
           <p:cNvPr id="8" name="Footer Placeholder 7">
             <a:extLst>
               <a:ext uri="{FF2B5EF4-FFF2-40B4-BE49-F238E27FC236}">
-                <a16:creationId xmlns:a16="http://schemas.microsoft.com/office/drawing/2014/main" xmlns="" id="{FC025B02-A863-954A-9D88-2497275C7387}"/>
+                <a16:creationId xmlns:a16="http://schemas.microsoft.com/office/drawing/2014/main" id="{FC025B02-A863-954A-9D88-2497275C7387}"/>
               </a:ext>
             </a:extLst>
           </p:cNvPr>
@@ -8507,7 +8507,7 @@
           <p:cNvPr id="9" name="Slide Number Placeholder 8">
             <a:extLst>
               <a:ext uri="{FF2B5EF4-FFF2-40B4-BE49-F238E27FC236}">
-                <a16:creationId xmlns:a16="http://schemas.microsoft.com/office/drawing/2014/main" xmlns="" id="{389FC811-34A4-1243-B8B3-FA72220F30AF}"/>
+                <a16:creationId xmlns:a16="http://schemas.microsoft.com/office/drawing/2014/main" id="{389FC811-34A4-1243-B8B3-FA72220F30AF}"/>
               </a:ext>
             </a:extLst>
           </p:cNvPr>
@@ -9072,7 +9072,7 @@
           <p:cNvPr id="8" name="Footer Placeholder 7">
             <a:extLst>
               <a:ext uri="{FF2B5EF4-FFF2-40B4-BE49-F238E27FC236}">
-                <a16:creationId xmlns:a16="http://schemas.microsoft.com/office/drawing/2014/main" xmlns="" id="{FC025B02-A863-954A-9D88-2497275C7387}"/>
+                <a16:creationId xmlns:a16="http://schemas.microsoft.com/office/drawing/2014/main" id="{FC025B02-A863-954A-9D88-2497275C7387}"/>
               </a:ext>
             </a:extLst>
           </p:cNvPr>
@@ -9100,7 +9100,7 @@
           <p:cNvPr id="9" name="Slide Number Placeholder 8">
             <a:extLst>
               <a:ext uri="{FF2B5EF4-FFF2-40B4-BE49-F238E27FC236}">
-                <a16:creationId xmlns:a16="http://schemas.microsoft.com/office/drawing/2014/main" xmlns="" id="{389FC811-34A4-1243-B8B3-FA72220F30AF}"/>
+                <a16:creationId xmlns:a16="http://schemas.microsoft.com/office/drawing/2014/main" id="{389FC811-34A4-1243-B8B3-FA72220F30AF}"/>
               </a:ext>
             </a:extLst>
           </p:cNvPr>
@@ -9665,7 +9665,7 @@
           <p:cNvPr id="8" name="Footer Placeholder 7">
             <a:extLst>
               <a:ext uri="{FF2B5EF4-FFF2-40B4-BE49-F238E27FC236}">
-                <a16:creationId xmlns:a16="http://schemas.microsoft.com/office/drawing/2014/main" xmlns="" id="{FC025B02-A863-954A-9D88-2497275C7387}"/>
+                <a16:creationId xmlns:a16="http://schemas.microsoft.com/office/drawing/2014/main" id="{FC025B02-A863-954A-9D88-2497275C7387}"/>
               </a:ext>
             </a:extLst>
           </p:cNvPr>
@@ -9693,7 +9693,7 @@
           <p:cNvPr id="9" name="Slide Number Placeholder 8">
             <a:extLst>
               <a:ext uri="{FF2B5EF4-FFF2-40B4-BE49-F238E27FC236}">
-                <a16:creationId xmlns:a16="http://schemas.microsoft.com/office/drawing/2014/main" xmlns="" id="{389FC811-34A4-1243-B8B3-FA72220F30AF}"/>
+                <a16:creationId xmlns:a16="http://schemas.microsoft.com/office/drawing/2014/main" id="{389FC811-34A4-1243-B8B3-FA72220F30AF}"/>
               </a:ext>
             </a:extLst>
           </p:cNvPr>
@@ -10258,7 +10258,7 @@
           <p:cNvPr id="8" name="Footer Placeholder 7">
             <a:extLst>
               <a:ext uri="{FF2B5EF4-FFF2-40B4-BE49-F238E27FC236}">
-                <a16:creationId xmlns:a16="http://schemas.microsoft.com/office/drawing/2014/main" xmlns="" id="{FC025B02-A863-954A-9D88-2497275C7387}"/>
+                <a16:creationId xmlns:a16="http://schemas.microsoft.com/office/drawing/2014/main" id="{FC025B02-A863-954A-9D88-2497275C7387}"/>
               </a:ext>
             </a:extLst>
           </p:cNvPr>
@@ -10286,7 +10286,7 @@
           <p:cNvPr id="9" name="Slide Number Placeholder 8">
             <a:extLst>
               <a:ext uri="{FF2B5EF4-FFF2-40B4-BE49-F238E27FC236}">
-                <a16:creationId xmlns:a16="http://schemas.microsoft.com/office/drawing/2014/main" xmlns="" id="{389FC811-34A4-1243-B8B3-FA72220F30AF}"/>
+                <a16:creationId xmlns:a16="http://schemas.microsoft.com/office/drawing/2014/main" id="{389FC811-34A4-1243-B8B3-FA72220F30AF}"/>
               </a:ext>
             </a:extLst>
           </p:cNvPr>
@@ -10851,7 +10851,7 @@
           <p:cNvPr id="8" name="Footer Placeholder 7">
             <a:extLst>
               <a:ext uri="{FF2B5EF4-FFF2-40B4-BE49-F238E27FC236}">
-                <a16:creationId xmlns:a16="http://schemas.microsoft.com/office/drawing/2014/main" xmlns="" id="{FC025B02-A863-954A-9D88-2497275C7387}"/>
+                <a16:creationId xmlns:a16="http://schemas.microsoft.com/office/drawing/2014/main" id="{FC025B02-A863-954A-9D88-2497275C7387}"/>
               </a:ext>
             </a:extLst>
           </p:cNvPr>
@@ -10879,7 +10879,7 @@
           <p:cNvPr id="9" name="Slide Number Placeholder 8">
             <a:extLst>
               <a:ext uri="{FF2B5EF4-FFF2-40B4-BE49-F238E27FC236}">
-                <a16:creationId xmlns:a16="http://schemas.microsoft.com/office/drawing/2014/main" xmlns="" id="{389FC811-34A4-1243-B8B3-FA72220F30AF}"/>
+                <a16:creationId xmlns:a16="http://schemas.microsoft.com/office/drawing/2014/main" id="{389FC811-34A4-1243-B8B3-FA72220F30AF}"/>
               </a:ext>
             </a:extLst>
           </p:cNvPr>
@@ -10987,7 +10987,7 @@
           <p:cNvPr id="8" name="Footer Placeholder 7">
             <a:extLst>
               <a:ext uri="{FF2B5EF4-FFF2-40B4-BE49-F238E27FC236}">
-                <a16:creationId xmlns:a16="http://schemas.microsoft.com/office/drawing/2014/main" xmlns="" id="{FC025B02-A863-954A-9D88-2497275C7387}"/>
+                <a16:creationId xmlns:a16="http://schemas.microsoft.com/office/drawing/2014/main" id="{FC025B02-A863-954A-9D88-2497275C7387}"/>
               </a:ext>
             </a:extLst>
           </p:cNvPr>
@@ -11015,7 +11015,7 @@
           <p:cNvPr id="9" name="Slide Number Placeholder 8">
             <a:extLst>
               <a:ext uri="{FF2B5EF4-FFF2-40B4-BE49-F238E27FC236}">
-                <a16:creationId xmlns:a16="http://schemas.microsoft.com/office/drawing/2014/main" xmlns="" id="{389FC811-34A4-1243-B8B3-FA72220F30AF}"/>
+                <a16:creationId xmlns:a16="http://schemas.microsoft.com/office/drawing/2014/main" id="{389FC811-34A4-1243-B8B3-FA72220F30AF}"/>
               </a:ext>
             </a:extLst>
           </p:cNvPr>
@@ -11580,7 +11580,7 @@
           <p:cNvPr id="8" name="Footer Placeholder 7">
             <a:extLst>
               <a:ext uri="{FF2B5EF4-FFF2-40B4-BE49-F238E27FC236}">
-                <a16:creationId xmlns:a16="http://schemas.microsoft.com/office/drawing/2014/main" xmlns="" id="{FC025B02-A863-954A-9D88-2497275C7387}"/>
+                <a16:creationId xmlns:a16="http://schemas.microsoft.com/office/drawing/2014/main" id="{FC025B02-A863-954A-9D88-2497275C7387}"/>
               </a:ext>
             </a:extLst>
           </p:cNvPr>
@@ -11608,7 +11608,7 @@
           <p:cNvPr id="9" name="Slide Number Placeholder 8">
             <a:extLst>
               <a:ext uri="{FF2B5EF4-FFF2-40B4-BE49-F238E27FC236}">
-                <a16:creationId xmlns:a16="http://schemas.microsoft.com/office/drawing/2014/main" xmlns="" id="{389FC811-34A4-1243-B8B3-FA72220F30AF}"/>
+                <a16:creationId xmlns:a16="http://schemas.microsoft.com/office/drawing/2014/main" id="{389FC811-34A4-1243-B8B3-FA72220F30AF}"/>
               </a:ext>
             </a:extLst>
           </p:cNvPr>
@@ -12173,7 +12173,7 @@
           <p:cNvPr id="8" name="Footer Placeholder 7">
             <a:extLst>
               <a:ext uri="{FF2B5EF4-FFF2-40B4-BE49-F238E27FC236}">
-                <a16:creationId xmlns:a16="http://schemas.microsoft.com/office/drawing/2014/main" xmlns="" id="{FC025B02-A863-954A-9D88-2497275C7387}"/>
+                <a16:creationId xmlns:a16="http://schemas.microsoft.com/office/drawing/2014/main" id="{FC025B02-A863-954A-9D88-2497275C7387}"/>
               </a:ext>
             </a:extLst>
           </p:cNvPr>
@@ -12201,7 +12201,7 @@
           <p:cNvPr id="9" name="Slide Number Placeholder 8">
             <a:extLst>
               <a:ext uri="{FF2B5EF4-FFF2-40B4-BE49-F238E27FC236}">
-                <a16:creationId xmlns:a16="http://schemas.microsoft.com/office/drawing/2014/main" xmlns="" id="{389FC811-34A4-1243-B8B3-FA72220F30AF}"/>
+                <a16:creationId xmlns:a16="http://schemas.microsoft.com/office/drawing/2014/main" id="{389FC811-34A4-1243-B8B3-FA72220F30AF}"/>
               </a:ext>
             </a:extLst>
           </p:cNvPr>
@@ -12766,7 +12766,7 @@
           <p:cNvPr id="8" name="Footer Placeholder 7">
             <a:extLst>
               <a:ext uri="{FF2B5EF4-FFF2-40B4-BE49-F238E27FC236}">
-                <a16:creationId xmlns:a16="http://schemas.microsoft.com/office/drawing/2014/main" xmlns="" id="{FC025B02-A863-954A-9D88-2497275C7387}"/>
+                <a16:creationId xmlns:a16="http://schemas.microsoft.com/office/drawing/2014/main" id="{FC025B02-A863-954A-9D88-2497275C7387}"/>
               </a:ext>
             </a:extLst>
           </p:cNvPr>
@@ -12794,7 +12794,7 @@
           <p:cNvPr id="9" name="Slide Number Placeholder 8">
             <a:extLst>
               <a:ext uri="{FF2B5EF4-FFF2-40B4-BE49-F238E27FC236}">
-                <a16:creationId xmlns:a16="http://schemas.microsoft.com/office/drawing/2014/main" xmlns="" id="{389FC811-34A4-1243-B8B3-FA72220F30AF}"/>
+                <a16:creationId xmlns:a16="http://schemas.microsoft.com/office/drawing/2014/main" id="{389FC811-34A4-1243-B8B3-FA72220F30AF}"/>
               </a:ext>
             </a:extLst>
           </p:cNvPr>
@@ -13359,7 +13359,7 @@
           <p:cNvPr id="8" name="Footer Placeholder 7">
             <a:extLst>
               <a:ext uri="{FF2B5EF4-FFF2-40B4-BE49-F238E27FC236}">
-                <a16:creationId xmlns:a16="http://schemas.microsoft.com/office/drawing/2014/main" xmlns="" id="{FC025B02-A863-954A-9D88-2497275C7387}"/>
+                <a16:creationId xmlns:a16="http://schemas.microsoft.com/office/drawing/2014/main" id="{FC025B02-A863-954A-9D88-2497275C7387}"/>
               </a:ext>
             </a:extLst>
           </p:cNvPr>
@@ -13387,7 +13387,7 @@
           <p:cNvPr id="9" name="Slide Number Placeholder 8">
             <a:extLst>
               <a:ext uri="{FF2B5EF4-FFF2-40B4-BE49-F238E27FC236}">
-                <a16:creationId xmlns:a16="http://schemas.microsoft.com/office/drawing/2014/main" xmlns="" id="{389FC811-34A4-1243-B8B3-FA72220F30AF}"/>
+                <a16:creationId xmlns:a16="http://schemas.microsoft.com/office/drawing/2014/main" id="{389FC811-34A4-1243-B8B3-FA72220F30AF}"/>
               </a:ext>
             </a:extLst>
           </p:cNvPr>
@@ -13952,7 +13952,7 @@
           <p:cNvPr id="8" name="Footer Placeholder 7">
             <a:extLst>
               <a:ext uri="{FF2B5EF4-FFF2-40B4-BE49-F238E27FC236}">
-                <a16:creationId xmlns:a16="http://schemas.microsoft.com/office/drawing/2014/main" xmlns="" id="{FC025B02-A863-954A-9D88-2497275C7387}"/>
+                <a16:creationId xmlns:a16="http://schemas.microsoft.com/office/drawing/2014/main" id="{FC025B02-A863-954A-9D88-2497275C7387}"/>
               </a:ext>
             </a:extLst>
           </p:cNvPr>
@@ -13980,7 +13980,7 @@
           <p:cNvPr id="9" name="Slide Number Placeholder 8">
             <a:extLst>
               <a:ext uri="{FF2B5EF4-FFF2-40B4-BE49-F238E27FC236}">
-                <a16:creationId xmlns:a16="http://schemas.microsoft.com/office/drawing/2014/main" xmlns="" id="{389FC811-34A4-1243-B8B3-FA72220F30AF}"/>
+                <a16:creationId xmlns:a16="http://schemas.microsoft.com/office/drawing/2014/main" id="{389FC811-34A4-1243-B8B3-FA72220F30AF}"/>
               </a:ext>
             </a:extLst>
           </p:cNvPr>
@@ -14545,7 +14545,7 @@
           <p:cNvPr id="8" name="Footer Placeholder 7">
             <a:extLst>
               <a:ext uri="{FF2B5EF4-FFF2-40B4-BE49-F238E27FC236}">
-                <a16:creationId xmlns:a16="http://schemas.microsoft.com/office/drawing/2014/main" xmlns="" id="{FC025B02-A863-954A-9D88-2497275C7387}"/>
+                <a16:creationId xmlns:a16="http://schemas.microsoft.com/office/drawing/2014/main" id="{FC025B02-A863-954A-9D88-2497275C7387}"/>
               </a:ext>
             </a:extLst>
           </p:cNvPr>
@@ -14573,7 +14573,7 @@
           <p:cNvPr id="9" name="Slide Number Placeholder 8">
             <a:extLst>
               <a:ext uri="{FF2B5EF4-FFF2-40B4-BE49-F238E27FC236}">
-                <a16:creationId xmlns:a16="http://schemas.microsoft.com/office/drawing/2014/main" xmlns="" id="{389FC811-34A4-1243-B8B3-FA72220F30AF}"/>
+                <a16:creationId xmlns:a16="http://schemas.microsoft.com/office/drawing/2014/main" id="{389FC811-34A4-1243-B8B3-FA72220F30AF}"/>
               </a:ext>
             </a:extLst>
           </p:cNvPr>
@@ -15138,7 +15138,7 @@
           <p:cNvPr id="8" name="Footer Placeholder 7">
             <a:extLst>
               <a:ext uri="{FF2B5EF4-FFF2-40B4-BE49-F238E27FC236}">
-                <a16:creationId xmlns:a16="http://schemas.microsoft.com/office/drawing/2014/main" xmlns="" id="{FC025B02-A863-954A-9D88-2497275C7387}"/>
+                <a16:creationId xmlns:a16="http://schemas.microsoft.com/office/drawing/2014/main" id="{FC025B02-A863-954A-9D88-2497275C7387}"/>
               </a:ext>
             </a:extLst>
           </p:cNvPr>
@@ -15166,7 +15166,7 @@
           <p:cNvPr id="9" name="Slide Number Placeholder 8">
             <a:extLst>
               <a:ext uri="{FF2B5EF4-FFF2-40B4-BE49-F238E27FC236}">
-                <a16:creationId xmlns:a16="http://schemas.microsoft.com/office/drawing/2014/main" xmlns="" id="{389FC811-34A4-1243-B8B3-FA72220F30AF}"/>
+                <a16:creationId xmlns:a16="http://schemas.microsoft.com/office/drawing/2014/main" id="{389FC811-34A4-1243-B8B3-FA72220F30AF}"/>
               </a:ext>
             </a:extLst>
           </p:cNvPr>
@@ -15731,7 +15731,7 @@
           <p:cNvPr id="8" name="Footer Placeholder 7">
             <a:extLst>
               <a:ext uri="{FF2B5EF4-FFF2-40B4-BE49-F238E27FC236}">
-                <a16:creationId xmlns:a16="http://schemas.microsoft.com/office/drawing/2014/main" xmlns="" id="{FC025B02-A863-954A-9D88-2497275C7387}"/>
+                <a16:creationId xmlns:a16="http://schemas.microsoft.com/office/drawing/2014/main" id="{FC025B02-A863-954A-9D88-2497275C7387}"/>
               </a:ext>
             </a:extLst>
           </p:cNvPr>
@@ -15759,7 +15759,7 @@
           <p:cNvPr id="9" name="Slide Number Placeholder 8">
             <a:extLst>
               <a:ext uri="{FF2B5EF4-FFF2-40B4-BE49-F238E27FC236}">
-                <a16:creationId xmlns:a16="http://schemas.microsoft.com/office/drawing/2014/main" xmlns="" id="{389FC811-34A4-1243-B8B3-FA72220F30AF}"/>
+                <a16:creationId xmlns:a16="http://schemas.microsoft.com/office/drawing/2014/main" id="{389FC811-34A4-1243-B8B3-FA72220F30AF}"/>
               </a:ext>
             </a:extLst>
           </p:cNvPr>
@@ -16324,7 +16324,7 @@
           <p:cNvPr id="8" name="Footer Placeholder 7">
             <a:extLst>
               <a:ext uri="{FF2B5EF4-FFF2-40B4-BE49-F238E27FC236}">
-                <a16:creationId xmlns:a16="http://schemas.microsoft.com/office/drawing/2014/main" xmlns="" id="{FC025B02-A863-954A-9D88-2497275C7387}"/>
+                <a16:creationId xmlns:a16="http://schemas.microsoft.com/office/drawing/2014/main" id="{FC025B02-A863-954A-9D88-2497275C7387}"/>
               </a:ext>
             </a:extLst>
           </p:cNvPr>
@@ -16352,7 +16352,7 @@
           <p:cNvPr id="9" name="Slide Number Placeholder 8">
             <a:extLst>
               <a:ext uri="{FF2B5EF4-FFF2-40B4-BE49-F238E27FC236}">
-                <a16:creationId xmlns:a16="http://schemas.microsoft.com/office/drawing/2014/main" xmlns="" id="{389FC811-34A4-1243-B8B3-FA72220F30AF}"/>
+                <a16:creationId xmlns:a16="http://schemas.microsoft.com/office/drawing/2014/main" id="{389FC811-34A4-1243-B8B3-FA72220F30AF}"/>
               </a:ext>
             </a:extLst>
           </p:cNvPr>
@@ -16917,7 +16917,7 @@
           <p:cNvPr id="8" name="Footer Placeholder 7">
             <a:extLst>
               <a:ext uri="{FF2B5EF4-FFF2-40B4-BE49-F238E27FC236}">
-                <a16:creationId xmlns:a16="http://schemas.microsoft.com/office/drawing/2014/main" xmlns="" id="{FC025B02-A863-954A-9D88-2497275C7387}"/>
+                <a16:creationId xmlns:a16="http://schemas.microsoft.com/office/drawing/2014/main" id="{FC025B02-A863-954A-9D88-2497275C7387}"/>
               </a:ext>
             </a:extLst>
           </p:cNvPr>
@@ -16945,7 +16945,7 @@
           <p:cNvPr id="9" name="Slide Number Placeholder 8">
             <a:extLst>
               <a:ext uri="{FF2B5EF4-FFF2-40B4-BE49-F238E27FC236}">
-                <a16:creationId xmlns:a16="http://schemas.microsoft.com/office/drawing/2014/main" xmlns="" id="{389FC811-34A4-1243-B8B3-FA72220F30AF}"/>
+                <a16:creationId xmlns:a16="http://schemas.microsoft.com/office/drawing/2014/main" id="{389FC811-34A4-1243-B8B3-FA72220F30AF}"/>
               </a:ext>
             </a:extLst>
           </p:cNvPr>
@@ -17053,7 +17053,7 @@
           <p:cNvPr id="8" name="Footer Placeholder 7">
             <a:extLst>
               <a:ext uri="{FF2B5EF4-FFF2-40B4-BE49-F238E27FC236}">
-                <a16:creationId xmlns:a16="http://schemas.microsoft.com/office/drawing/2014/main" xmlns="" id="{FC025B02-A863-954A-9D88-2497275C7387}"/>
+                <a16:creationId xmlns:a16="http://schemas.microsoft.com/office/drawing/2014/main" id="{FC025B02-A863-954A-9D88-2497275C7387}"/>
               </a:ext>
             </a:extLst>
           </p:cNvPr>
@@ -17081,7 +17081,7 @@
           <p:cNvPr id="9" name="Slide Number Placeholder 8">
             <a:extLst>
               <a:ext uri="{FF2B5EF4-FFF2-40B4-BE49-F238E27FC236}">
-                <a16:creationId xmlns:a16="http://schemas.microsoft.com/office/drawing/2014/main" xmlns="" id="{389FC811-34A4-1243-B8B3-FA72220F30AF}"/>
+                <a16:creationId xmlns:a16="http://schemas.microsoft.com/office/drawing/2014/main" id="{389FC811-34A4-1243-B8B3-FA72220F30AF}"/>
               </a:ext>
             </a:extLst>
           </p:cNvPr>
@@ -17281,7 +17281,7 @@
           <p:cNvPr id="8" name="Footer Placeholder 7">
             <a:extLst>
               <a:ext uri="{FF2B5EF4-FFF2-40B4-BE49-F238E27FC236}">
-                <a16:creationId xmlns:a16="http://schemas.microsoft.com/office/drawing/2014/main" xmlns="" id="{FC025B02-A863-954A-9D88-2497275C7387}"/>
+                <a16:creationId xmlns:a16="http://schemas.microsoft.com/office/drawing/2014/main" id="{FC025B02-A863-954A-9D88-2497275C7387}"/>
               </a:ext>
             </a:extLst>
           </p:cNvPr>
@@ -17309,7 +17309,7 @@
           <p:cNvPr id="9" name="Slide Number Placeholder 8">
             <a:extLst>
               <a:ext uri="{FF2B5EF4-FFF2-40B4-BE49-F238E27FC236}">
-                <a16:creationId xmlns:a16="http://schemas.microsoft.com/office/drawing/2014/main" xmlns="" id="{389FC811-34A4-1243-B8B3-FA72220F30AF}"/>
+                <a16:creationId xmlns:a16="http://schemas.microsoft.com/office/drawing/2014/main" id="{389FC811-34A4-1243-B8B3-FA72220F30AF}"/>
               </a:ext>
             </a:extLst>
           </p:cNvPr>
@@ -17417,7 +17417,7 @@
           <p:cNvPr id="8" name="Footer Placeholder 7">
             <a:extLst>
               <a:ext uri="{FF2B5EF4-FFF2-40B4-BE49-F238E27FC236}">
-                <a16:creationId xmlns:a16="http://schemas.microsoft.com/office/drawing/2014/main" xmlns="" id="{FC025B02-A863-954A-9D88-2497275C7387}"/>
+                <a16:creationId xmlns:a16="http://schemas.microsoft.com/office/drawing/2014/main" id="{FC025B02-A863-954A-9D88-2497275C7387}"/>
               </a:ext>
             </a:extLst>
           </p:cNvPr>
@@ -17445,7 +17445,7 @@
           <p:cNvPr id="9" name="Slide Number Placeholder 8">
             <a:extLst>
               <a:ext uri="{FF2B5EF4-FFF2-40B4-BE49-F238E27FC236}">
-                <a16:creationId xmlns:a16="http://schemas.microsoft.com/office/drawing/2014/main" xmlns="" id="{389FC811-34A4-1243-B8B3-FA72220F30AF}"/>
+                <a16:creationId xmlns:a16="http://schemas.microsoft.com/office/drawing/2014/main" id="{389FC811-34A4-1243-B8B3-FA72220F30AF}"/>
               </a:ext>
             </a:extLst>
           </p:cNvPr>
@@ -17553,7 +17553,7 @@
           <p:cNvPr id="8" name="Footer Placeholder 7">
             <a:extLst>
               <a:ext uri="{FF2B5EF4-FFF2-40B4-BE49-F238E27FC236}">
-                <a16:creationId xmlns:a16="http://schemas.microsoft.com/office/drawing/2014/main" xmlns="" id="{FC025B02-A863-954A-9D88-2497275C7387}"/>
+                <a16:creationId xmlns:a16="http://schemas.microsoft.com/office/drawing/2014/main" id="{FC025B02-A863-954A-9D88-2497275C7387}"/>
               </a:ext>
             </a:extLst>
           </p:cNvPr>
@@ -17581,7 +17581,7 @@
           <p:cNvPr id="9" name="Slide Number Placeholder 8">
             <a:extLst>
               <a:ext uri="{FF2B5EF4-FFF2-40B4-BE49-F238E27FC236}">
-                <a16:creationId xmlns:a16="http://schemas.microsoft.com/office/drawing/2014/main" xmlns="" id="{389FC811-34A4-1243-B8B3-FA72220F30AF}"/>
+                <a16:creationId xmlns:a16="http://schemas.microsoft.com/office/drawing/2014/main" id="{389FC811-34A4-1243-B8B3-FA72220F30AF}"/>
               </a:ext>
             </a:extLst>
           </p:cNvPr>
@@ -17689,7 +17689,7 @@
           <p:cNvPr id="8" name="Footer Placeholder 7">
             <a:extLst>
               <a:ext uri="{FF2B5EF4-FFF2-40B4-BE49-F238E27FC236}">
-                <a16:creationId xmlns:a16="http://schemas.microsoft.com/office/drawing/2014/main" xmlns="" id="{FC025B02-A863-954A-9D88-2497275C7387}"/>
+                <a16:creationId xmlns:a16="http://schemas.microsoft.com/office/drawing/2014/main" id="{FC025B02-A863-954A-9D88-2497275C7387}"/>
               </a:ext>
             </a:extLst>
           </p:cNvPr>
@@ -17717,7 +17717,7 @@
           <p:cNvPr id="9" name="Slide Number Placeholder 8">
             <a:extLst>
               <a:ext uri="{FF2B5EF4-FFF2-40B4-BE49-F238E27FC236}">
-                <a16:creationId xmlns:a16="http://schemas.microsoft.com/office/drawing/2014/main" xmlns="" id="{389FC811-34A4-1243-B8B3-FA72220F30AF}"/>
+                <a16:creationId xmlns:a16="http://schemas.microsoft.com/office/drawing/2014/main" id="{389FC811-34A4-1243-B8B3-FA72220F30AF}"/>
               </a:ext>
             </a:extLst>
           </p:cNvPr>
@@ -17825,7 +17825,7 @@
           <p:cNvPr id="8" name="Footer Placeholder 7">
             <a:extLst>
               <a:ext uri="{FF2B5EF4-FFF2-40B4-BE49-F238E27FC236}">
-                <a16:creationId xmlns:a16="http://schemas.microsoft.com/office/drawing/2014/main" xmlns="" id="{FC025B02-A863-954A-9D88-2497275C7387}"/>
+                <a16:creationId xmlns:a16="http://schemas.microsoft.com/office/drawing/2014/main" id="{FC025B02-A863-954A-9D88-2497275C7387}"/>
               </a:ext>
             </a:extLst>
           </p:cNvPr>
@@ -17853,7 +17853,7 @@
           <p:cNvPr id="9" name="Slide Number Placeholder 8">
             <a:extLst>
               <a:ext uri="{FF2B5EF4-FFF2-40B4-BE49-F238E27FC236}">
-                <a16:creationId xmlns:a16="http://schemas.microsoft.com/office/drawing/2014/main" xmlns="" id="{389FC811-34A4-1243-B8B3-FA72220F30AF}"/>
+                <a16:creationId xmlns:a16="http://schemas.microsoft.com/office/drawing/2014/main" id="{389FC811-34A4-1243-B8B3-FA72220F30AF}"/>
               </a:ext>
             </a:extLst>
           </p:cNvPr>
@@ -18816,7 +18816,7 @@
           <p:cNvPr id="22" name="TextBox 11">
             <a:extLst>
               <a:ext uri="{FF2B5EF4-FFF2-40B4-BE49-F238E27FC236}">
-                <a16:creationId xmlns:a16="http://schemas.microsoft.com/office/drawing/2014/main" xmlns="" id="{6CC4780A-2516-C549-8E7D-609B60A1C849}"/>
+                <a16:creationId xmlns:a16="http://schemas.microsoft.com/office/drawing/2014/main" id="{6CC4780A-2516-C549-8E7D-609B60A1C849}"/>
               </a:ext>
             </a:extLst>
           </p:cNvPr>
@@ -18983,7 +18983,7 @@
           <p:cNvPr id="28" name="Text Placeholder 9">
             <a:extLst>
               <a:ext uri="{FF2B5EF4-FFF2-40B4-BE49-F238E27FC236}">
-                <a16:creationId xmlns:a16="http://schemas.microsoft.com/office/drawing/2014/main" xmlns="" id="{A0060C2D-7BA6-784A-AE56-53E9CA4C65C2}"/>
+                <a16:creationId xmlns:a16="http://schemas.microsoft.com/office/drawing/2014/main" id="{A0060C2D-7BA6-784A-AE56-53E9CA4C65C2}"/>
               </a:ext>
             </a:extLst>
           </p:cNvPr>
@@ -19111,7 +19111,7 @@
           <p:cNvPr id="2" name="Title 1">
             <a:extLst>
               <a:ext uri="{FF2B5EF4-FFF2-40B4-BE49-F238E27FC236}">
-                <a16:creationId xmlns:a16="http://schemas.microsoft.com/office/drawing/2014/main" xmlns="" id="{04CC4A64-6A9C-B840-B336-38240CDA6A09}"/>
+                <a16:creationId xmlns:a16="http://schemas.microsoft.com/office/drawing/2014/main" id="{04CC4A64-6A9C-B840-B336-38240CDA6A09}"/>
               </a:ext>
             </a:extLst>
           </p:cNvPr>
@@ -19326,7 +19326,7 @@
           <p:cNvPr id="21" name="Picture 7">
             <a:extLst>
               <a:ext uri="{FF2B5EF4-FFF2-40B4-BE49-F238E27FC236}">
-                <a16:creationId xmlns:a16="http://schemas.microsoft.com/office/drawing/2014/main" xmlns="" id="{FCD1A2E0-4B1C-B24D-A0EE-52A6BAA7526A}"/>
+                <a16:creationId xmlns:a16="http://schemas.microsoft.com/office/drawing/2014/main" id="{FCD1A2E0-4B1C-B24D-A0EE-52A6BAA7526A}"/>
               </a:ext>
             </a:extLst>
           </p:cNvPr>
@@ -19355,14 +19355,14 @@
           </a:ln>
           <a:extLst>
             <a:ext uri="{909E8E84-426E-40dd-AFC4-6F175D3DCCD1}">
-              <a14:hiddenFill xmlns:a14="http://schemas.microsoft.com/office/drawing/2010/main" xmlns="">
+              <a14:hiddenFill xmlns="" xmlns:a14="http://schemas.microsoft.com/office/drawing/2010/main">
                 <a:solidFill>
                   <a:srgbClr val="FFFFFF"/>
                 </a:solidFill>
               </a14:hiddenFill>
             </a:ext>
             <a:ext uri="{91240B29-F687-4f45-9708-019B960494DF}">
-              <a14:hiddenLine xmlns:a14="http://schemas.microsoft.com/office/drawing/2010/main" xmlns="" w="9525">
+              <a14:hiddenLine xmlns="" xmlns:a14="http://schemas.microsoft.com/office/drawing/2010/main" w="9525">
                 <a:solidFill>
                   <a:srgbClr val="000000"/>
                 </a:solidFill>
@@ -19379,7 +19379,7 @@
           <p:cNvPr id="22" name="TextBox 11">
             <a:extLst>
               <a:ext uri="{FF2B5EF4-FFF2-40B4-BE49-F238E27FC236}">
-                <a16:creationId xmlns:a16="http://schemas.microsoft.com/office/drawing/2014/main" xmlns="" id="{6CC4780A-2516-C549-8E7D-609B60A1C849}"/>
+                <a16:creationId xmlns:a16="http://schemas.microsoft.com/office/drawing/2014/main" id="{6CC4780A-2516-C549-8E7D-609B60A1C849}"/>
               </a:ext>
             </a:extLst>
           </p:cNvPr>
@@ -19546,7 +19546,7 @@
           <p:cNvPr id="26" name="Text Placeholder 7">
             <a:extLst>
               <a:ext uri="{FF2B5EF4-FFF2-40B4-BE49-F238E27FC236}">
-                <a16:creationId xmlns:a16="http://schemas.microsoft.com/office/drawing/2014/main" xmlns="" id="{ABDF6181-102F-2546-9802-57E795B2AADA}"/>
+                <a16:creationId xmlns:a16="http://schemas.microsoft.com/office/drawing/2014/main" id="{ABDF6181-102F-2546-9802-57E795B2AADA}"/>
               </a:ext>
             </a:extLst>
           </p:cNvPr>
@@ -19619,7 +19619,7 @@
           <p:cNvPr id="27" name="Rectangle 26">
             <a:extLst>
               <a:ext uri="{FF2B5EF4-FFF2-40B4-BE49-F238E27FC236}">
-                <a16:creationId xmlns:a16="http://schemas.microsoft.com/office/drawing/2014/main" xmlns="" id="{92B88B27-9FF5-4544-9BA0-023139D47EFF}"/>
+                <a16:creationId xmlns:a16="http://schemas.microsoft.com/office/drawing/2014/main" id="{92B88B27-9FF5-4544-9BA0-023139D47EFF}"/>
               </a:ext>
             </a:extLst>
           </p:cNvPr>
@@ -19683,7 +19683,7 @@
           <p:cNvPr id="28" name="Text Placeholder 9">
             <a:extLst>
               <a:ext uri="{FF2B5EF4-FFF2-40B4-BE49-F238E27FC236}">
-                <a16:creationId xmlns:a16="http://schemas.microsoft.com/office/drawing/2014/main" xmlns="" id="{A0060C2D-7BA6-784A-AE56-53E9CA4C65C2}"/>
+                <a16:creationId xmlns:a16="http://schemas.microsoft.com/office/drawing/2014/main" id="{A0060C2D-7BA6-784A-AE56-53E9CA4C65C2}"/>
               </a:ext>
             </a:extLst>
           </p:cNvPr>
@@ -19811,7 +19811,7 @@
           <p:cNvPr id="11" name="Picture 10">
             <a:extLst>
               <a:ext uri="{FF2B5EF4-FFF2-40B4-BE49-F238E27FC236}">
-                <a16:creationId xmlns:a16="http://schemas.microsoft.com/office/drawing/2014/main" xmlns="" id="{DE68C887-EDBC-483F-A1C6-166727E8C15A}"/>
+                <a16:creationId xmlns:a16="http://schemas.microsoft.com/office/drawing/2014/main" id="{DE68C887-EDBC-483F-A1C6-166727E8C15A}"/>
               </a:ext>
             </a:extLst>
           </p:cNvPr>
@@ -19877,7 +19877,7 @@
           <p:cNvPr id="7" name="Picture 7">
             <a:extLst>
               <a:ext uri="{FF2B5EF4-FFF2-40B4-BE49-F238E27FC236}">
-                <a16:creationId xmlns:a16="http://schemas.microsoft.com/office/drawing/2014/main" xmlns="" id="{78041CA5-4A2D-3B44-9268-91C9C50D6ECA}"/>
+                <a16:creationId xmlns:a16="http://schemas.microsoft.com/office/drawing/2014/main" id="{78041CA5-4A2D-3B44-9268-91C9C50D6ECA}"/>
               </a:ext>
             </a:extLst>
           </p:cNvPr>
@@ -19906,14 +19906,14 @@
           </a:ln>
           <a:extLst>
             <a:ext uri="{909E8E84-426E-40dd-AFC4-6F175D3DCCD1}">
-              <a14:hiddenFill xmlns="" xmlns:a14="http://schemas.microsoft.com/office/drawing/2010/main">
+              <a14:hiddenFill xmlns:a14="http://schemas.microsoft.com/office/drawing/2010/main" xmlns="">
                 <a:solidFill>
                   <a:srgbClr val="FFFFFF"/>
                 </a:solidFill>
               </a14:hiddenFill>
             </a:ext>
             <a:ext uri="{91240B29-F687-4f45-9708-019B960494DF}">
-              <a14:hiddenLine xmlns="" xmlns:a14="http://schemas.microsoft.com/office/drawing/2010/main" w="9525">
+              <a14:hiddenLine xmlns:a14="http://schemas.microsoft.com/office/drawing/2010/main" xmlns="" w="9525">
                 <a:solidFill>
                   <a:srgbClr val="000000"/>
                 </a:solidFill>
@@ -20564,7 +20564,7 @@
           <p:cNvPr id="17" name="Picture 7">
             <a:extLst>
               <a:ext uri="{FF2B5EF4-FFF2-40B4-BE49-F238E27FC236}">
-                <a16:creationId xmlns:a16="http://schemas.microsoft.com/office/drawing/2014/main" xmlns="" id="{9EFC0B56-CF22-FA4B-A033-6BF84FDCFF8A}"/>
+                <a16:creationId xmlns:a16="http://schemas.microsoft.com/office/drawing/2014/main" id="{9EFC0B56-CF22-FA4B-A033-6BF84FDCFF8A}"/>
               </a:ext>
             </a:extLst>
           </p:cNvPr>
@@ -20593,14 +20593,14 @@
           </a:ln>
           <a:extLst>
             <a:ext uri="{909E8E84-426E-40dd-AFC4-6F175D3DCCD1}">
-              <a14:hiddenFill xmlns="" xmlns:a14="http://schemas.microsoft.com/office/drawing/2010/main">
+              <a14:hiddenFill xmlns:a14="http://schemas.microsoft.com/office/drawing/2010/main" xmlns="">
                 <a:solidFill>
                   <a:srgbClr val="FFFFFF"/>
                 </a:solidFill>
               </a14:hiddenFill>
             </a:ext>
             <a:ext uri="{91240B29-F687-4f45-9708-019B960494DF}">
-              <a14:hiddenLine xmlns="" xmlns:a14="http://schemas.microsoft.com/office/drawing/2010/main" w="9525">
+              <a14:hiddenLine xmlns:a14="http://schemas.microsoft.com/office/drawing/2010/main" xmlns="" w="9525">
                 <a:solidFill>
                   <a:srgbClr val="000000"/>
                 </a:solidFill>
@@ -20617,7 +20617,7 @@
           <p:cNvPr id="18" name="Picture 11" descr="postit_wide.png">
             <a:extLst>
               <a:ext uri="{FF2B5EF4-FFF2-40B4-BE49-F238E27FC236}">
-                <a16:creationId xmlns:a16="http://schemas.microsoft.com/office/drawing/2014/main" xmlns="" id="{2B8F77EC-CEBA-414C-B318-9CB5221F02C7}"/>
+                <a16:creationId xmlns:a16="http://schemas.microsoft.com/office/drawing/2014/main" id="{2B8F77EC-CEBA-414C-B318-9CB5221F02C7}"/>
               </a:ext>
             </a:extLst>
           </p:cNvPr>
@@ -20653,14 +20653,14 @@
           </a:ln>
           <a:extLst>
             <a:ext uri="{909E8E84-426E-40dd-AFC4-6F175D3DCCD1}">
-              <a14:hiddenFill xmlns="" xmlns:a14="http://schemas.microsoft.com/office/drawing/2010/main">
+              <a14:hiddenFill xmlns:a14="http://schemas.microsoft.com/office/drawing/2010/main" xmlns="">
                 <a:solidFill>
                   <a:srgbClr val="FFFFFF"/>
                 </a:solidFill>
               </a14:hiddenFill>
             </a:ext>
             <a:ext uri="{91240B29-F687-4f45-9708-019B960494DF}">
-              <a14:hiddenLine xmlns="" xmlns:a14="http://schemas.microsoft.com/office/drawing/2010/main" w="9525">
+              <a14:hiddenLine xmlns:a14="http://schemas.microsoft.com/office/drawing/2010/main" xmlns="" w="9525">
                 <a:solidFill>
                   <a:srgbClr val="000000"/>
                 </a:solidFill>
@@ -21703,14 +21703,14 @@
           </a:ln>
           <a:extLst>
             <a:ext uri="{909E8E84-426E-40dd-AFC4-6F175D3DCCD1}">
-              <a14:hiddenFill xmlns="" xmlns:a14="http://schemas.microsoft.com/office/drawing/2010/main">
+              <a14:hiddenFill xmlns:a14="http://schemas.microsoft.com/office/drawing/2010/main" xmlns="">
                 <a:solidFill>
                   <a:srgbClr val="FFFFFF"/>
                 </a:solidFill>
               </a14:hiddenFill>
             </a:ext>
             <a:ext uri="{91240B29-F687-4f45-9708-019B960494DF}">
-              <a14:hiddenLine xmlns="" xmlns:a14="http://schemas.microsoft.com/office/drawing/2010/main" w="9525">
+              <a14:hiddenLine xmlns:a14="http://schemas.microsoft.com/office/drawing/2010/main" xmlns="" w="9525">
                 <a:solidFill>
                   <a:srgbClr val="000000"/>
                 </a:solidFill>
@@ -21888,7 +21888,7 @@
           <p:cNvPr id="6" name="Picture 7">
             <a:extLst>
               <a:ext uri="{FF2B5EF4-FFF2-40B4-BE49-F238E27FC236}">
-                <a16:creationId xmlns:a16="http://schemas.microsoft.com/office/drawing/2014/main" xmlns="" id="{774C1D4C-C61B-2245-806C-EEA10A6FC966}"/>
+                <a16:creationId xmlns:a16="http://schemas.microsoft.com/office/drawing/2014/main" id="{774C1D4C-C61B-2245-806C-EEA10A6FC966}"/>
               </a:ext>
             </a:extLst>
           </p:cNvPr>
@@ -21917,14 +21917,14 @@
           </a:ln>
           <a:extLst>
             <a:ext uri="{909E8E84-426E-40dd-AFC4-6F175D3DCCD1}">
-              <a14:hiddenFill xmlns="" xmlns:a14="http://schemas.microsoft.com/office/drawing/2010/main">
+              <a14:hiddenFill xmlns:a14="http://schemas.microsoft.com/office/drawing/2010/main" xmlns="">
                 <a:solidFill>
                   <a:srgbClr val="FFFFFF"/>
                 </a:solidFill>
               </a14:hiddenFill>
             </a:ext>
             <a:ext uri="{91240B29-F687-4f45-9708-019B960494DF}">
-              <a14:hiddenLine xmlns="" xmlns:a14="http://schemas.microsoft.com/office/drawing/2010/main" w="9525">
+              <a14:hiddenLine xmlns:a14="http://schemas.microsoft.com/office/drawing/2010/main" xmlns="" w="9525">
                 <a:solidFill>
                   <a:srgbClr val="000000"/>
                 </a:solidFill>
@@ -21971,7 +21971,7 @@
           <p:cNvPr id="8" name="Picture 7">
             <a:extLst>
               <a:ext uri="{FF2B5EF4-FFF2-40B4-BE49-F238E27FC236}">
-                <a16:creationId xmlns:a16="http://schemas.microsoft.com/office/drawing/2014/main" xmlns="" id="{721F3607-0709-404C-9057-5AE833FE0568}"/>
+                <a16:creationId xmlns:a16="http://schemas.microsoft.com/office/drawing/2014/main" id="{721F3607-0709-404C-9057-5AE833FE0568}"/>
               </a:ext>
             </a:extLst>
           </p:cNvPr>
@@ -22000,14 +22000,14 @@
           </a:ln>
           <a:extLst>
             <a:ext uri="{909E8E84-426E-40dd-AFC4-6F175D3DCCD1}">
-              <a14:hiddenFill xmlns="" xmlns:a14="http://schemas.microsoft.com/office/drawing/2010/main">
+              <a14:hiddenFill xmlns:a14="http://schemas.microsoft.com/office/drawing/2010/main" xmlns="">
                 <a:solidFill>
                   <a:srgbClr val="FFFFFF"/>
                 </a:solidFill>
               </a14:hiddenFill>
             </a:ext>
             <a:ext uri="{91240B29-F687-4f45-9708-019B960494DF}">
-              <a14:hiddenLine xmlns="" xmlns:a14="http://schemas.microsoft.com/office/drawing/2010/main" w="9525">
+              <a14:hiddenLine xmlns:a14="http://schemas.microsoft.com/office/drawing/2010/main" xmlns="" w="9525">
                 <a:solidFill>
                   <a:srgbClr val="000000"/>
                 </a:solidFill>
@@ -22215,7 +22215,7 @@
           <p:cNvPr id="8" name="Picture 7">
             <a:extLst>
               <a:ext uri="{FF2B5EF4-FFF2-40B4-BE49-F238E27FC236}">
-                <a16:creationId xmlns:a16="http://schemas.microsoft.com/office/drawing/2014/main" xmlns="" id="{C98D58B3-FEFA-A142-B9E6-9D60B0737F4A}"/>
+                <a16:creationId xmlns:a16="http://schemas.microsoft.com/office/drawing/2014/main" id="{C98D58B3-FEFA-A142-B9E6-9D60B0737F4A}"/>
               </a:ext>
             </a:extLst>
           </p:cNvPr>
@@ -22244,14 +22244,14 @@
           </a:ln>
           <a:extLst>
             <a:ext uri="{909E8E84-426E-40dd-AFC4-6F175D3DCCD1}">
-              <a14:hiddenFill xmlns="" xmlns:a14="http://schemas.microsoft.com/office/drawing/2010/main">
+              <a14:hiddenFill xmlns:a14="http://schemas.microsoft.com/office/drawing/2010/main" xmlns="">
                 <a:solidFill>
                   <a:srgbClr val="FFFFFF"/>
                 </a:solidFill>
               </a14:hiddenFill>
             </a:ext>
             <a:ext uri="{91240B29-F687-4f45-9708-019B960494DF}">
-              <a14:hiddenLine xmlns="" xmlns:a14="http://schemas.microsoft.com/office/drawing/2010/main" w="9525">
+              <a14:hiddenLine xmlns:a14="http://schemas.microsoft.com/office/drawing/2010/main" xmlns="" w="9525">
                 <a:solidFill>
                   <a:srgbClr val="000000"/>
                 </a:solidFill>
@@ -22298,14 +22298,14 @@
           </a:ln>
           <a:extLst>
             <a:ext uri="{909E8E84-426E-40dd-AFC4-6F175D3DCCD1}">
-              <a14:hiddenFill xmlns="" xmlns:a14="http://schemas.microsoft.com/office/drawing/2010/main">
+              <a14:hiddenFill xmlns:a14="http://schemas.microsoft.com/office/drawing/2010/main" xmlns="">
                 <a:solidFill>
                   <a:srgbClr val="FFFFFF"/>
                 </a:solidFill>
               </a14:hiddenFill>
             </a:ext>
             <a:ext uri="{91240B29-F687-4f45-9708-019B960494DF}">
-              <a14:hiddenLine xmlns="" xmlns:a14="http://schemas.microsoft.com/office/drawing/2010/main" w="9525">
+              <a14:hiddenLine xmlns:a14="http://schemas.microsoft.com/office/drawing/2010/main" xmlns="" w="9525">
                 <a:solidFill>
                   <a:srgbClr val="000000"/>
                 </a:solidFill>
@@ -22570,7 +22570,7 @@
           <p:cNvPr id="4" name="Rectangle 3">
             <a:extLst>
               <a:ext uri="{FF2B5EF4-FFF2-40B4-BE49-F238E27FC236}">
-                <a16:creationId xmlns:a16="http://schemas.microsoft.com/office/drawing/2014/main" xmlns="" id="{A0B9F270-11E5-0342-A39F-21492F586850}"/>
+                <a16:creationId xmlns:a16="http://schemas.microsoft.com/office/drawing/2014/main" id="{A0B9F270-11E5-0342-A39F-21492F586850}"/>
               </a:ext>
             </a:extLst>
           </p:cNvPr>
@@ -23981,7 +23981,7 @@
           <p:cNvPr id="7" name="Picture 6">
             <a:extLst>
               <a:ext uri="{FF2B5EF4-FFF2-40B4-BE49-F238E27FC236}">
-                <a16:creationId xmlns:a16="http://schemas.microsoft.com/office/drawing/2014/main" xmlns="" id="{8ED85F89-DC1A-4A8C-8C31-674B6E27A9EF}"/>
+                <a16:creationId xmlns:a16="http://schemas.microsoft.com/office/drawing/2014/main" id="{8ED85F89-DC1A-4A8C-8C31-674B6E27A9EF}"/>
               </a:ext>
             </a:extLst>
           </p:cNvPr>
@@ -24558,7 +24558,7 @@
           <p:cNvPr id="3" name="Subtitle 2">
             <a:extLst>
               <a:ext uri="{FF2B5EF4-FFF2-40B4-BE49-F238E27FC236}">
-                <a16:creationId xmlns:a16="http://schemas.microsoft.com/office/drawing/2014/main" xmlns="" id="{4FFEB20A-5630-4B30-8B11-95AD886E9B05}"/>
+                <a16:creationId xmlns:a16="http://schemas.microsoft.com/office/drawing/2014/main" id="{4FFEB20A-5630-4B30-8B11-95AD886E9B05}"/>
               </a:ext>
             </a:extLst>
           </p:cNvPr>
@@ -24601,7 +24601,7 @@
           <p:cNvPr id="4" name="Subtitle 2">
             <a:extLst>
               <a:ext uri="{FF2B5EF4-FFF2-40B4-BE49-F238E27FC236}">
-                <a16:creationId xmlns:a16="http://schemas.microsoft.com/office/drawing/2014/main" xmlns="" id="{2D8059C7-5DFE-4D21-B03B-656D1D8E923C}"/>
+                <a16:creationId xmlns:a16="http://schemas.microsoft.com/office/drawing/2014/main" id="{2D8059C7-5DFE-4D21-B03B-656D1D8E923C}"/>
               </a:ext>
             </a:extLst>
           </p:cNvPr>
@@ -24613,7 +24613,7 @@
         <p:spPr>
           <a:xfrm>
             <a:off x="3760193" y="3312863"/>
-            <a:ext cx="1784574" cy="403103"/>
+            <a:ext cx="2850672" cy="403103"/>
           </a:xfrm>
           <a:prstGeom prst="rect">
             <a:avLst/>
@@ -24781,7 +24781,7 @@
           <a:p>
             <a:pPr algn="l"/>
             <a:r>
-              <a:rPr lang="en-US" sz="1600" b="1">
+              <a:rPr lang="en-US" sz="1600" b="1" dirty="0">
                 <a:solidFill>
                   <a:schemeClr val="tx2"/>
                 </a:solidFill>
@@ -24791,25 +24791,32 @@
               <a:t>Nguyễn </a:t>
             </a:r>
             <a:r>
-              <a:rPr lang="en-US" sz="1600" b="1" err="1">
+              <a:rPr lang="en-US" sz="1600" b="1" dirty="0" smtClean="0">
                 <a:solidFill>
                   <a:schemeClr val="tx2"/>
                 </a:solidFill>
                 <a:latin typeface="Times New Roman" panose="02020603050405020304" pitchFamily="18" charset="0"/>
                 <a:cs typeface="Times New Roman" panose="02020603050405020304" pitchFamily="18" charset="0"/>
               </a:rPr>
-              <a:t>Duy</a:t>
-            </a:r>
-            <a:r>
-              <a:rPr lang="en-US" sz="1600" b="1">
+              <a:t>Đức </a:t>
+            </a:r>
+            <a:r>
+              <a:rPr lang="en-US" sz="1600" b="1" dirty="0" err="1" smtClean="0">
                 <a:solidFill>
                   <a:schemeClr val="tx2"/>
                 </a:solidFill>
                 <a:latin typeface="Times New Roman" panose="02020603050405020304" pitchFamily="18" charset="0"/>
                 <a:cs typeface="Times New Roman" panose="02020603050405020304" pitchFamily="18" charset="0"/>
               </a:rPr>
-              <a:t> Linh</a:t>
-            </a:r>
+              <a:t>Trường</a:t>
+            </a:r>
+            <a:endParaRPr lang="en-US" sz="1600" b="1" dirty="0">
+              <a:solidFill>
+                <a:schemeClr val="tx2"/>
+              </a:solidFill>
+              <a:latin typeface="Times New Roman" panose="02020603050405020304" pitchFamily="18" charset="0"/>
+              <a:cs typeface="Times New Roman" panose="02020603050405020304" pitchFamily="18" charset="0"/>
+            </a:endParaRPr>
           </a:p>
         </p:txBody>
       </p:sp>
@@ -24867,7 +24874,7 @@
           <p:cNvPr id="4" name="Text Placeholder 9">
             <a:extLst>
               <a:ext uri="{FF2B5EF4-FFF2-40B4-BE49-F238E27FC236}">
-                <a16:creationId xmlns:a16="http://schemas.microsoft.com/office/drawing/2014/main" xmlns="" id="{69F3CEBC-354E-493B-A5BB-6845C130780D}"/>
+                <a16:creationId xmlns:a16="http://schemas.microsoft.com/office/drawing/2014/main" id="{69F3CEBC-354E-493B-A5BB-6845C130780D}"/>
               </a:ext>
             </a:extLst>
           </p:cNvPr>
@@ -25273,7 +25280,7 @@
           <p:cNvPr id="6" name="Title 1">
             <a:extLst>
               <a:ext uri="{FF2B5EF4-FFF2-40B4-BE49-F238E27FC236}">
-                <a16:creationId xmlns:a16="http://schemas.microsoft.com/office/drawing/2014/main" xmlns="" id="{98A66813-0A33-49D3-8287-A3A6E8658E95}"/>
+                <a16:creationId xmlns:a16="http://schemas.microsoft.com/office/drawing/2014/main" id="{98A66813-0A33-49D3-8287-A3A6E8658E95}"/>
               </a:ext>
             </a:extLst>
           </p:cNvPr>
@@ -25680,7 +25687,7 @@
           <p:cNvPr id="6" name="Title 1">
             <a:extLst>
               <a:ext uri="{FF2B5EF4-FFF2-40B4-BE49-F238E27FC236}">
-                <a16:creationId xmlns:a16="http://schemas.microsoft.com/office/drawing/2014/main" xmlns="" id="{98A66813-0A33-49D3-8287-A3A6E8658E95}"/>
+                <a16:creationId xmlns:a16="http://schemas.microsoft.com/office/drawing/2014/main" id="{98A66813-0A33-49D3-8287-A3A6E8658E95}"/>
               </a:ext>
             </a:extLst>
           </p:cNvPr>
@@ -25884,7 +25891,7 @@
           <p:cNvPr id="5" name="Text Placeholder 9">
             <a:extLst>
               <a:ext uri="{FF2B5EF4-FFF2-40B4-BE49-F238E27FC236}">
-                <a16:creationId xmlns:a16="http://schemas.microsoft.com/office/drawing/2014/main" xmlns="" id="{69F3CEBC-354E-493B-A5BB-6845C130780D}"/>
+                <a16:creationId xmlns:a16="http://schemas.microsoft.com/office/drawing/2014/main" id="{69F3CEBC-354E-493B-A5BB-6845C130780D}"/>
               </a:ext>
             </a:extLst>
           </p:cNvPr>
@@ -26422,7 +26429,7 @@
           <p:cNvPr id="6" name="Title 1">
             <a:extLst>
               <a:ext uri="{FF2B5EF4-FFF2-40B4-BE49-F238E27FC236}">
-                <a16:creationId xmlns:a16="http://schemas.microsoft.com/office/drawing/2014/main" xmlns="" id="{98A66813-0A33-49D3-8287-A3A6E8658E95}"/>
+                <a16:creationId xmlns:a16="http://schemas.microsoft.com/office/drawing/2014/main" id="{98A66813-0A33-49D3-8287-A3A6E8658E95}"/>
               </a:ext>
             </a:extLst>
           </p:cNvPr>
@@ -26626,7 +26633,7 @@
           <p:cNvPr id="5" name="Text Placeholder 9">
             <a:extLst>
               <a:ext uri="{FF2B5EF4-FFF2-40B4-BE49-F238E27FC236}">
-                <a16:creationId xmlns:a16="http://schemas.microsoft.com/office/drawing/2014/main" xmlns="" id="{69F3CEBC-354E-493B-A5BB-6845C130780D}"/>
+                <a16:creationId xmlns:a16="http://schemas.microsoft.com/office/drawing/2014/main" id="{69F3CEBC-354E-493B-A5BB-6845C130780D}"/>
               </a:ext>
             </a:extLst>
           </p:cNvPr>
@@ -26953,7 +26960,7 @@
           <p:cNvPr id="9" name="Text Placeholder 9">
             <a:extLst>
               <a:ext uri="{FF2B5EF4-FFF2-40B4-BE49-F238E27FC236}">
-                <a16:creationId xmlns:a16="http://schemas.microsoft.com/office/drawing/2014/main" xmlns="" id="{69F3CEBC-354E-493B-A5BB-6845C130780D}"/>
+                <a16:creationId xmlns:a16="http://schemas.microsoft.com/office/drawing/2014/main" id="{69F3CEBC-354E-493B-A5BB-6845C130780D}"/>
               </a:ext>
             </a:extLst>
           </p:cNvPr>
@@ -27278,7 +27285,7 @@
           <p:cNvPr id="7" name="Text Placeholder 9">
             <a:extLst>
               <a:ext uri="{FF2B5EF4-FFF2-40B4-BE49-F238E27FC236}">
-                <a16:creationId xmlns:a16="http://schemas.microsoft.com/office/drawing/2014/main" xmlns="" id="{69F3CEBC-354E-493B-A5BB-6845C130780D}"/>
+                <a16:creationId xmlns:a16="http://schemas.microsoft.com/office/drawing/2014/main" id="{69F3CEBC-354E-493B-A5BB-6845C130780D}"/>
               </a:ext>
             </a:extLst>
           </p:cNvPr>
@@ -27798,7 +27805,7 @@
           <p:cNvPr id="6" name="Title 1">
             <a:extLst>
               <a:ext uri="{FF2B5EF4-FFF2-40B4-BE49-F238E27FC236}">
-                <a16:creationId xmlns:a16="http://schemas.microsoft.com/office/drawing/2014/main" xmlns="" id="{98A66813-0A33-49D3-8287-A3A6E8658E95}"/>
+                <a16:creationId xmlns:a16="http://schemas.microsoft.com/office/drawing/2014/main" id="{98A66813-0A33-49D3-8287-A3A6E8658E95}"/>
               </a:ext>
             </a:extLst>
           </p:cNvPr>
@@ -28757,7 +28764,7 @@
           <p:cNvPr id="6" name="Title 1">
             <a:extLst>
               <a:ext uri="{FF2B5EF4-FFF2-40B4-BE49-F238E27FC236}">
-                <a16:creationId xmlns:a16="http://schemas.microsoft.com/office/drawing/2014/main" xmlns="" id="{98A66813-0A33-49D3-8287-A3A6E8658E95}"/>
+                <a16:creationId xmlns:a16="http://schemas.microsoft.com/office/drawing/2014/main" id="{98A66813-0A33-49D3-8287-A3A6E8658E95}"/>
               </a:ext>
             </a:extLst>
           </p:cNvPr>
@@ -29170,7 +29177,7 @@
           <p:cNvPr id="6" name="Title 1">
             <a:extLst>
               <a:ext uri="{FF2B5EF4-FFF2-40B4-BE49-F238E27FC236}">
-                <a16:creationId xmlns:a16="http://schemas.microsoft.com/office/drawing/2014/main" xmlns="" id="{98A66813-0A33-49D3-8287-A3A6E8658E95}"/>
+                <a16:creationId xmlns:a16="http://schemas.microsoft.com/office/drawing/2014/main" id="{98A66813-0A33-49D3-8287-A3A6E8658E95}"/>
               </a:ext>
             </a:extLst>
           </p:cNvPr>
@@ -29658,7 +29665,7 @@
           <p:cNvPr id="6" name="Title 1">
             <a:extLst>
               <a:ext uri="{FF2B5EF4-FFF2-40B4-BE49-F238E27FC236}">
-                <a16:creationId xmlns:a16="http://schemas.microsoft.com/office/drawing/2014/main" xmlns="" id="{98A66813-0A33-49D3-8287-A3A6E8658E95}"/>
+                <a16:creationId xmlns:a16="http://schemas.microsoft.com/office/drawing/2014/main" id="{98A66813-0A33-49D3-8287-A3A6E8658E95}"/>
               </a:ext>
             </a:extLst>
           </p:cNvPr>
@@ -29862,7 +29869,7 @@
           <p:cNvPr id="5" name="Text Placeholder 9">
             <a:extLst>
               <a:ext uri="{FF2B5EF4-FFF2-40B4-BE49-F238E27FC236}">
-                <a16:creationId xmlns:a16="http://schemas.microsoft.com/office/drawing/2014/main" xmlns="" id="{69F3CEBC-354E-493B-A5BB-6845C130780D}"/>
+                <a16:creationId xmlns:a16="http://schemas.microsoft.com/office/drawing/2014/main" id="{69F3CEBC-354E-493B-A5BB-6845C130780D}"/>
               </a:ext>
             </a:extLst>
           </p:cNvPr>
@@ -30286,7 +30293,7 @@
           <p:cNvPr id="4" name="Text Placeholder 9">
             <a:extLst>
               <a:ext uri="{FF2B5EF4-FFF2-40B4-BE49-F238E27FC236}">
-                <a16:creationId xmlns:a16="http://schemas.microsoft.com/office/drawing/2014/main" xmlns="" id="{69F3CEBC-354E-493B-A5BB-6845C130780D}"/>
+                <a16:creationId xmlns:a16="http://schemas.microsoft.com/office/drawing/2014/main" id="{69F3CEBC-354E-493B-A5BB-6845C130780D}"/>
               </a:ext>
             </a:extLst>
           </p:cNvPr>
@@ -30587,7 +30594,7 @@
           <p:cNvPr id="6" name="Title 1">
             <a:extLst>
               <a:ext uri="{FF2B5EF4-FFF2-40B4-BE49-F238E27FC236}">
-                <a16:creationId xmlns:a16="http://schemas.microsoft.com/office/drawing/2014/main" xmlns="" id="{98A66813-0A33-49D3-8287-A3A6E8658E95}"/>
+                <a16:creationId xmlns:a16="http://schemas.microsoft.com/office/drawing/2014/main" id="{98A66813-0A33-49D3-8287-A3A6E8658E95}"/>
               </a:ext>
             </a:extLst>
           </p:cNvPr>
@@ -30804,7 +30811,7 @@
               <p:cNvPr id="10" name="TextBox 9">
                 <a:extLst>
                   <a:ext uri="{FF2B5EF4-FFF2-40B4-BE49-F238E27FC236}">
-                    <a16:creationId xmlns:a16="http://schemas.microsoft.com/office/drawing/2014/main" xmlns="" id="{EC745D6D-86C5-E043-AF57-A1EBD926E178}"/>
+                    <a16:creationId xmlns:a16="http://schemas.microsoft.com/office/drawing/2014/main" id="{EC745D6D-86C5-E043-AF57-A1EBD926E178}"/>
                   </a:ext>
                 </a:extLst>
               </p:cNvPr>
@@ -32836,7 +32843,7 @@
           <p:cNvPr id="6" name="Title 1">
             <a:extLst>
               <a:ext uri="{FF2B5EF4-FFF2-40B4-BE49-F238E27FC236}">
-                <a16:creationId xmlns:a16="http://schemas.microsoft.com/office/drawing/2014/main" xmlns="" id="{98A66813-0A33-49D3-8287-A3A6E8658E95}"/>
+                <a16:creationId xmlns:a16="http://schemas.microsoft.com/office/drawing/2014/main" id="{98A66813-0A33-49D3-8287-A3A6E8658E95}"/>
               </a:ext>
             </a:extLst>
           </p:cNvPr>
@@ -33011,7 +33018,7 @@
           <p:cNvPr id="4" name="Text Placeholder 9">
             <a:extLst>
               <a:ext uri="{FF2B5EF4-FFF2-40B4-BE49-F238E27FC236}">
-                <a16:creationId xmlns:a16="http://schemas.microsoft.com/office/drawing/2014/main" xmlns="" id="{69F3CEBC-354E-493B-A5BB-6845C130780D}"/>
+                <a16:creationId xmlns:a16="http://schemas.microsoft.com/office/drawing/2014/main" id="{69F3CEBC-354E-493B-A5BB-6845C130780D}"/>
               </a:ext>
             </a:extLst>
           </p:cNvPr>
@@ -33598,7 +33605,7 @@
           <p:cNvPr id="6" name="Title 1">
             <a:extLst>
               <a:ext uri="{FF2B5EF4-FFF2-40B4-BE49-F238E27FC236}">
-                <a16:creationId xmlns:a16="http://schemas.microsoft.com/office/drawing/2014/main" xmlns="" id="{98A66813-0A33-49D3-8287-A3A6E8658E95}"/>
+                <a16:creationId xmlns:a16="http://schemas.microsoft.com/office/drawing/2014/main" id="{98A66813-0A33-49D3-8287-A3A6E8658E95}"/>
               </a:ext>
             </a:extLst>
           </p:cNvPr>
@@ -34467,7 +34474,7 @@
           <p:cNvPr id="4" name="Text Placeholder 9">
             <a:extLst>
               <a:ext uri="{FF2B5EF4-FFF2-40B4-BE49-F238E27FC236}">
-                <a16:creationId xmlns:a16="http://schemas.microsoft.com/office/drawing/2014/main" xmlns="" id="{69F3CEBC-354E-493B-A5BB-6845C130780D}"/>
+                <a16:creationId xmlns:a16="http://schemas.microsoft.com/office/drawing/2014/main" id="{69F3CEBC-354E-493B-A5BB-6845C130780D}"/>
               </a:ext>
             </a:extLst>
           </p:cNvPr>
@@ -34811,7 +34818,7 @@
           <p:cNvPr id="6" name="Title 1">
             <a:extLst>
               <a:ext uri="{FF2B5EF4-FFF2-40B4-BE49-F238E27FC236}">
-                <a16:creationId xmlns:a16="http://schemas.microsoft.com/office/drawing/2014/main" xmlns="" id="{98A66813-0A33-49D3-8287-A3A6E8658E95}"/>
+                <a16:creationId xmlns:a16="http://schemas.microsoft.com/office/drawing/2014/main" id="{98A66813-0A33-49D3-8287-A3A6E8658E95}"/>
               </a:ext>
             </a:extLst>
           </p:cNvPr>
@@ -35340,7 +35347,7 @@
           <p:cNvPr id="6" name="Title 1">
             <a:extLst>
               <a:ext uri="{FF2B5EF4-FFF2-40B4-BE49-F238E27FC236}">
-                <a16:creationId xmlns:a16="http://schemas.microsoft.com/office/drawing/2014/main" xmlns="" id="{98A66813-0A33-49D3-8287-A3A6E8658E95}"/>
+                <a16:creationId xmlns:a16="http://schemas.microsoft.com/office/drawing/2014/main" id="{98A66813-0A33-49D3-8287-A3A6E8658E95}"/>
               </a:ext>
             </a:extLst>
           </p:cNvPr>
@@ -36411,7 +36418,7 @@
           <p:cNvPr id="6" name="Title 1">
             <a:extLst>
               <a:ext uri="{FF2B5EF4-FFF2-40B4-BE49-F238E27FC236}">
-                <a16:creationId xmlns:a16="http://schemas.microsoft.com/office/drawing/2014/main" xmlns="" id="{98A66813-0A33-49D3-8287-A3A6E8658E95}"/>
+                <a16:creationId xmlns:a16="http://schemas.microsoft.com/office/drawing/2014/main" id="{98A66813-0A33-49D3-8287-A3A6E8658E95}"/>
               </a:ext>
             </a:extLst>
           </p:cNvPr>
@@ -37162,7 +37169,7 @@
           <p:cNvPr id="13" name="Title 1">
             <a:extLst>
               <a:ext uri="{FF2B5EF4-FFF2-40B4-BE49-F238E27FC236}">
-                <a16:creationId xmlns:a16="http://schemas.microsoft.com/office/drawing/2014/main" xmlns="" id="{98A66813-0A33-49D3-8287-A3A6E8658E95}"/>
+                <a16:creationId xmlns:a16="http://schemas.microsoft.com/office/drawing/2014/main" id="{98A66813-0A33-49D3-8287-A3A6E8658E95}"/>
               </a:ext>
             </a:extLst>
           </p:cNvPr>
@@ -37714,7 +37721,7 @@
           <p:cNvPr id="13" name="Title 1">
             <a:extLst>
               <a:ext uri="{FF2B5EF4-FFF2-40B4-BE49-F238E27FC236}">
-                <a16:creationId xmlns:a16="http://schemas.microsoft.com/office/drawing/2014/main" xmlns="" id="{98A66813-0A33-49D3-8287-A3A6E8658E95}"/>
+                <a16:creationId xmlns:a16="http://schemas.microsoft.com/office/drawing/2014/main" id="{98A66813-0A33-49D3-8287-A3A6E8658E95}"/>
               </a:ext>
             </a:extLst>
           </p:cNvPr>
@@ -38759,7 +38766,7 @@
           <p:cNvPr id="19" name="Title 1">
             <a:extLst>
               <a:ext uri="{FF2B5EF4-FFF2-40B4-BE49-F238E27FC236}">
-                <a16:creationId xmlns:a16="http://schemas.microsoft.com/office/drawing/2014/main" xmlns="" id="{98A66813-0A33-49D3-8287-A3A6E8658E95}"/>
+                <a16:creationId xmlns:a16="http://schemas.microsoft.com/office/drawing/2014/main" id="{98A66813-0A33-49D3-8287-A3A6E8658E95}"/>
               </a:ext>
             </a:extLst>
           </p:cNvPr>
@@ -39319,7 +39326,7 @@
           <p:cNvPr id="19" name="Title 1">
             <a:extLst>
               <a:ext uri="{FF2B5EF4-FFF2-40B4-BE49-F238E27FC236}">
-                <a16:creationId xmlns:a16="http://schemas.microsoft.com/office/drawing/2014/main" xmlns="" id="{98A66813-0A33-49D3-8287-A3A6E8658E95}"/>
+                <a16:creationId xmlns:a16="http://schemas.microsoft.com/office/drawing/2014/main" id="{98A66813-0A33-49D3-8287-A3A6E8658E95}"/>
               </a:ext>
             </a:extLst>
           </p:cNvPr>
@@ -39751,7 +39758,7 @@
           <p:cNvPr id="19" name="Title 1">
             <a:extLst>
               <a:ext uri="{FF2B5EF4-FFF2-40B4-BE49-F238E27FC236}">
-                <a16:creationId xmlns:a16="http://schemas.microsoft.com/office/drawing/2014/main" xmlns="" id="{98A66813-0A33-49D3-8287-A3A6E8658E95}"/>
+                <a16:creationId xmlns:a16="http://schemas.microsoft.com/office/drawing/2014/main" id="{98A66813-0A33-49D3-8287-A3A6E8658E95}"/>
               </a:ext>
             </a:extLst>
           </p:cNvPr>
@@ -40684,7 +40691,7 @@
           <p:cNvPr id="19" name="Title 1">
             <a:extLst>
               <a:ext uri="{FF2B5EF4-FFF2-40B4-BE49-F238E27FC236}">
-                <a16:creationId xmlns:a16="http://schemas.microsoft.com/office/drawing/2014/main" xmlns="" id="{98A66813-0A33-49D3-8287-A3A6E8658E95}"/>
+                <a16:creationId xmlns:a16="http://schemas.microsoft.com/office/drawing/2014/main" id="{98A66813-0A33-49D3-8287-A3A6E8658E95}"/>
               </a:ext>
             </a:extLst>
           </p:cNvPr>
@@ -41112,7 +41119,7 @@
           <p:cNvPr id="6" name="Title 1">
             <a:extLst>
               <a:ext uri="{FF2B5EF4-FFF2-40B4-BE49-F238E27FC236}">
-                <a16:creationId xmlns:a16="http://schemas.microsoft.com/office/drawing/2014/main" xmlns="" id="{98A66813-0A33-49D3-8287-A3A6E8658E95}"/>
+                <a16:creationId xmlns:a16="http://schemas.microsoft.com/office/drawing/2014/main" id="{98A66813-0A33-49D3-8287-A3A6E8658E95}"/>
               </a:ext>
             </a:extLst>
           </p:cNvPr>
@@ -41577,7 +41584,7 @@
           <p:cNvPr id="6" name="Title 1">
             <a:extLst>
               <a:ext uri="{FF2B5EF4-FFF2-40B4-BE49-F238E27FC236}">
-                <a16:creationId xmlns:a16="http://schemas.microsoft.com/office/drawing/2014/main" xmlns="" id="{98A66813-0A33-49D3-8287-A3A6E8658E95}"/>
+                <a16:creationId xmlns:a16="http://schemas.microsoft.com/office/drawing/2014/main" id="{98A66813-0A33-49D3-8287-A3A6E8658E95}"/>
               </a:ext>
             </a:extLst>
           </p:cNvPr>
@@ -42050,7 +42057,7 @@
           <p:cNvPr id="6" name="Title 1">
             <a:extLst>
               <a:ext uri="{FF2B5EF4-FFF2-40B4-BE49-F238E27FC236}">
-                <a16:creationId xmlns:a16="http://schemas.microsoft.com/office/drawing/2014/main" xmlns="" id="{98A66813-0A33-49D3-8287-A3A6E8658E95}"/>
+                <a16:creationId xmlns:a16="http://schemas.microsoft.com/office/drawing/2014/main" id="{98A66813-0A33-49D3-8287-A3A6E8658E95}"/>
               </a:ext>
             </a:extLst>
           </p:cNvPr>
@@ -42771,7 +42778,7 @@
           <p:cNvPr id="6" name="Title 1">
             <a:extLst>
               <a:ext uri="{FF2B5EF4-FFF2-40B4-BE49-F238E27FC236}">
-                <a16:creationId xmlns:a16="http://schemas.microsoft.com/office/drawing/2014/main" xmlns="" id="{98A66813-0A33-49D3-8287-A3A6E8658E95}"/>
+                <a16:creationId xmlns:a16="http://schemas.microsoft.com/office/drawing/2014/main" id="{98A66813-0A33-49D3-8287-A3A6E8658E95}"/>
               </a:ext>
             </a:extLst>
           </p:cNvPr>
@@ -43207,7 +43214,7 @@
           <p:cNvPr id="6" name="Title 1">
             <a:extLst>
               <a:ext uri="{FF2B5EF4-FFF2-40B4-BE49-F238E27FC236}">
-                <a16:creationId xmlns:a16="http://schemas.microsoft.com/office/drawing/2014/main" xmlns="" id="{98A66813-0A33-49D3-8287-A3A6E8658E95}"/>
+                <a16:creationId xmlns:a16="http://schemas.microsoft.com/office/drawing/2014/main" id="{98A66813-0A33-49D3-8287-A3A6E8658E95}"/>
               </a:ext>
             </a:extLst>
           </p:cNvPr>
@@ -43573,7 +43580,7 @@
           <p:cNvPr id="6" name="Title 1">
             <a:extLst>
               <a:ext uri="{FF2B5EF4-FFF2-40B4-BE49-F238E27FC236}">
-                <a16:creationId xmlns:a16="http://schemas.microsoft.com/office/drawing/2014/main" xmlns="" id="{98A66813-0A33-49D3-8287-A3A6E8658E95}"/>
+                <a16:creationId xmlns:a16="http://schemas.microsoft.com/office/drawing/2014/main" id="{98A66813-0A33-49D3-8287-A3A6E8658E95}"/>
               </a:ext>
             </a:extLst>
           </p:cNvPr>
@@ -43989,7 +43996,7 @@
           <p:cNvPr id="6" name="Title 1">
             <a:extLst>
               <a:ext uri="{FF2B5EF4-FFF2-40B4-BE49-F238E27FC236}">
-                <a16:creationId xmlns:a16="http://schemas.microsoft.com/office/drawing/2014/main" xmlns="" id="{98A66813-0A33-49D3-8287-A3A6E8658E95}"/>
+                <a16:creationId xmlns:a16="http://schemas.microsoft.com/office/drawing/2014/main" id="{98A66813-0A33-49D3-8287-A3A6E8658E95}"/>
               </a:ext>
             </a:extLst>
           </p:cNvPr>
@@ -44553,7 +44560,7 @@
           <p:cNvPr id="6" name="Title 1">
             <a:extLst>
               <a:ext uri="{FF2B5EF4-FFF2-40B4-BE49-F238E27FC236}">
-                <a16:creationId xmlns:a16="http://schemas.microsoft.com/office/drawing/2014/main" xmlns="" id="{98A66813-0A33-49D3-8287-A3A6E8658E95}"/>
+                <a16:creationId xmlns:a16="http://schemas.microsoft.com/office/drawing/2014/main" id="{98A66813-0A33-49D3-8287-A3A6E8658E95}"/>
               </a:ext>
             </a:extLst>
           </p:cNvPr>
@@ -44993,7 +45000,7 @@
           <p:cNvPr id="6" name="Title 1">
             <a:extLst>
               <a:ext uri="{FF2B5EF4-FFF2-40B4-BE49-F238E27FC236}">
-                <a16:creationId xmlns:a16="http://schemas.microsoft.com/office/drawing/2014/main" xmlns="" id="{98A66813-0A33-49D3-8287-A3A6E8658E95}"/>
+                <a16:creationId xmlns:a16="http://schemas.microsoft.com/office/drawing/2014/main" id="{98A66813-0A33-49D3-8287-A3A6E8658E95}"/>
               </a:ext>
             </a:extLst>
           </p:cNvPr>
@@ -45429,7 +45436,7 @@
           <p:cNvPr id="6" name="Title 1">
             <a:extLst>
               <a:ext uri="{FF2B5EF4-FFF2-40B4-BE49-F238E27FC236}">
-                <a16:creationId xmlns:a16="http://schemas.microsoft.com/office/drawing/2014/main" xmlns="" id="{98A66813-0A33-49D3-8287-A3A6E8658E95}"/>
+                <a16:creationId xmlns:a16="http://schemas.microsoft.com/office/drawing/2014/main" id="{98A66813-0A33-49D3-8287-A3A6E8658E95}"/>
               </a:ext>
             </a:extLst>
           </p:cNvPr>
@@ -45798,7 +45805,7 @@
           <p:cNvPr id="6" name="Title 1">
             <a:extLst>
               <a:ext uri="{FF2B5EF4-FFF2-40B4-BE49-F238E27FC236}">
-                <a16:creationId xmlns:a16="http://schemas.microsoft.com/office/drawing/2014/main" xmlns="" id="{98A66813-0A33-49D3-8287-A3A6E8658E95}"/>
+                <a16:creationId xmlns:a16="http://schemas.microsoft.com/office/drawing/2014/main" id="{98A66813-0A33-49D3-8287-A3A6E8658E95}"/>
               </a:ext>
             </a:extLst>
           </p:cNvPr>
@@ -46289,7 +46296,7 @@
           <p:cNvPr id="6" name="Title 1">
             <a:extLst>
               <a:ext uri="{FF2B5EF4-FFF2-40B4-BE49-F238E27FC236}">
-                <a16:creationId xmlns:a16="http://schemas.microsoft.com/office/drawing/2014/main" xmlns="" id="{98A66813-0A33-49D3-8287-A3A6E8658E95}"/>
+                <a16:creationId xmlns:a16="http://schemas.microsoft.com/office/drawing/2014/main" id="{98A66813-0A33-49D3-8287-A3A6E8658E95}"/>
               </a:ext>
             </a:extLst>
           </p:cNvPr>
@@ -46676,7 +46683,7 @@
           <p:cNvPr id="6" name="Title 1">
             <a:extLst>
               <a:ext uri="{FF2B5EF4-FFF2-40B4-BE49-F238E27FC236}">
-                <a16:creationId xmlns:a16="http://schemas.microsoft.com/office/drawing/2014/main" xmlns="" id="{98A66813-0A33-49D3-8287-A3A6E8658E95}"/>
+                <a16:creationId xmlns:a16="http://schemas.microsoft.com/office/drawing/2014/main" id="{98A66813-0A33-49D3-8287-A3A6E8658E95}"/>
               </a:ext>
             </a:extLst>
           </p:cNvPr>
@@ -47064,7 +47071,7 @@
           <p:cNvPr id="6" name="Title 1">
             <a:extLst>
               <a:ext uri="{FF2B5EF4-FFF2-40B4-BE49-F238E27FC236}">
-                <a16:creationId xmlns:a16="http://schemas.microsoft.com/office/drawing/2014/main" xmlns="" id="{98A66813-0A33-49D3-8287-A3A6E8658E95}"/>
+                <a16:creationId xmlns:a16="http://schemas.microsoft.com/office/drawing/2014/main" id="{98A66813-0A33-49D3-8287-A3A6E8658E95}"/>
               </a:ext>
             </a:extLst>
           </p:cNvPr>
@@ -47716,7 +47723,7 @@
           <p:cNvPr id="11" name="Picture 10">
             <a:extLst>
               <a:ext uri="{FF2B5EF4-FFF2-40B4-BE49-F238E27FC236}">
-                <a16:creationId xmlns:a16="http://schemas.microsoft.com/office/drawing/2014/main" xmlns="" id="{23980AF9-302F-A640-9A70-2B35E85BF912}"/>
+                <a16:creationId xmlns:a16="http://schemas.microsoft.com/office/drawing/2014/main" id="{23980AF9-302F-A640-9A70-2B35E85BF912}"/>
               </a:ext>
             </a:extLst>
           </p:cNvPr>
@@ -47752,7 +47759,7 @@
           <p:cNvPr id="12" name="TextBox 11">
             <a:extLst>
               <a:ext uri="{FF2B5EF4-FFF2-40B4-BE49-F238E27FC236}">
-                <a16:creationId xmlns:a16="http://schemas.microsoft.com/office/drawing/2014/main" xmlns="" id="{EB793C53-8CDA-7E4D-811B-5AD217A731C8}"/>
+                <a16:creationId xmlns:a16="http://schemas.microsoft.com/office/drawing/2014/main" id="{EB793C53-8CDA-7E4D-811B-5AD217A731C8}"/>
               </a:ext>
             </a:extLst>
           </p:cNvPr>
@@ -47871,7 +47878,7 @@
           <p:cNvPr id="6" name="Title 1">
             <a:extLst>
               <a:ext uri="{FF2B5EF4-FFF2-40B4-BE49-F238E27FC236}">
-                <a16:creationId xmlns:a16="http://schemas.microsoft.com/office/drawing/2014/main" xmlns="" id="{98A66813-0A33-49D3-8287-A3A6E8658E95}"/>
+                <a16:creationId xmlns:a16="http://schemas.microsoft.com/office/drawing/2014/main" id="{98A66813-0A33-49D3-8287-A3A6E8658E95}"/>
               </a:ext>
             </a:extLst>
           </p:cNvPr>
@@ -48287,7 +48294,7 @@
           <p:cNvPr id="6" name="Title 1">
             <a:extLst>
               <a:ext uri="{FF2B5EF4-FFF2-40B4-BE49-F238E27FC236}">
-                <a16:creationId xmlns:a16="http://schemas.microsoft.com/office/drawing/2014/main" xmlns="" id="{98A66813-0A33-49D3-8287-A3A6E8658E95}"/>
+                <a16:creationId xmlns:a16="http://schemas.microsoft.com/office/drawing/2014/main" id="{98A66813-0A33-49D3-8287-A3A6E8658E95}"/>
               </a:ext>
             </a:extLst>
           </p:cNvPr>
@@ -48704,7 +48711,7 @@
           <p:cNvPr id="6" name="Title 1">
             <a:extLst>
               <a:ext uri="{FF2B5EF4-FFF2-40B4-BE49-F238E27FC236}">
-                <a16:creationId xmlns:a16="http://schemas.microsoft.com/office/drawing/2014/main" xmlns="" id="{98A66813-0A33-49D3-8287-A3A6E8658E95}"/>
+                <a16:creationId xmlns:a16="http://schemas.microsoft.com/office/drawing/2014/main" id="{98A66813-0A33-49D3-8287-A3A6E8658E95}"/>
               </a:ext>
             </a:extLst>
           </p:cNvPr>
@@ -49105,7 +49112,7 @@
           <p:cNvPr id="6" name="Title 1">
             <a:extLst>
               <a:ext uri="{FF2B5EF4-FFF2-40B4-BE49-F238E27FC236}">
-                <a16:creationId xmlns:a16="http://schemas.microsoft.com/office/drawing/2014/main" xmlns="" id="{98A66813-0A33-49D3-8287-A3A6E8658E95}"/>
+                <a16:creationId xmlns:a16="http://schemas.microsoft.com/office/drawing/2014/main" id="{98A66813-0A33-49D3-8287-A3A6E8658E95}"/>
               </a:ext>
             </a:extLst>
           </p:cNvPr>
@@ -49511,7 +49518,7 @@
           <p:cNvPr id="6" name="Title 1">
             <a:extLst>
               <a:ext uri="{FF2B5EF4-FFF2-40B4-BE49-F238E27FC236}">
-                <a16:creationId xmlns:a16="http://schemas.microsoft.com/office/drawing/2014/main" xmlns="" id="{98A66813-0A33-49D3-8287-A3A6E8658E95}"/>
+                <a16:creationId xmlns:a16="http://schemas.microsoft.com/office/drawing/2014/main" id="{98A66813-0A33-49D3-8287-A3A6E8658E95}"/>
               </a:ext>
             </a:extLst>
           </p:cNvPr>
